--- a/doc/RARE_CHAR-Poster.pptx
+++ b/doc/RARE_CHAR-Poster.pptx
@@ -214,7 +214,7 @@
           <a:p>
             <a:fld id="{0F9B84EA-7D68-4D60-9CB1-D50884785D1C}" type="datetimeFigureOut">
               <a:rPr lang="zh-CN" altLang="en-US" smtClean="0"/>
-              <a:t>2024/10/29</a:t>
+              <a:t>2024/11/4</a:t>
             </a:fld>
             <a:endParaRPr lang="zh-CN" altLang="en-US"/>
           </a:p>
@@ -379,7 +379,7 @@
           <a:p>
             <a:fld id="{D6C8D182-E4C8-4120-9249-FC9774456FFA}" type="datetimeFigureOut">
               <a:rPr lang="zh-CN" altLang="en-US" smtClean="0"/>
-              <a:t>2024/10/29</a:t>
+              <a:t>2024/11/4</a:t>
             </a:fld>
             <a:endParaRPr lang="zh-CN" altLang="en-US"/>
           </a:p>
@@ -772,7 +772,7 @@
           <a:p>
             <a:fld id="{760FBDFE-C587-4B4C-A407-44438C67B59E}" type="datetimeFigureOut">
               <a:rPr lang="zh-CN" altLang="en-US" smtClean="0"/>
-              <a:t>2024/10/29</a:t>
+              <a:t>2024/11/4</a:t>
             </a:fld>
             <a:endParaRPr lang="zh-CN" altLang="en-US"/>
           </a:p>
@@ -942,7 +942,7 @@
           <a:p>
             <a:fld id="{760FBDFE-C587-4B4C-A407-44438C67B59E}" type="datetimeFigureOut">
               <a:rPr lang="zh-CN" altLang="en-US" smtClean="0"/>
-              <a:t>2024/10/29</a:t>
+              <a:t>2024/11/4</a:t>
             </a:fld>
             <a:endParaRPr lang="zh-CN" altLang="en-US"/>
           </a:p>
@@ -1122,7 +1122,7 @@
           <a:p>
             <a:fld id="{760FBDFE-C587-4B4C-A407-44438C67B59E}" type="datetimeFigureOut">
               <a:rPr lang="zh-CN" altLang="en-US" smtClean="0"/>
-              <a:t>2024/10/29</a:t>
+              <a:t>2024/11/4</a:t>
             </a:fld>
             <a:endParaRPr lang="zh-CN" altLang="en-US"/>
           </a:p>
@@ -1217,7 +1217,7 @@
           <a:p>
             <a:fld id="{760FBDFE-C587-4B4C-A407-44438C67B59E}" type="datetimeFigureOut">
               <a:rPr lang="zh-CN" altLang="en-US" smtClean="0"/>
-              <a:t>2024/10/29</a:t>
+              <a:t>2024/11/4</a:t>
             </a:fld>
             <a:endParaRPr lang="zh-CN" altLang="en-US"/>
           </a:p>
@@ -1438,7 +1438,7 @@
           <a:p>
             <a:fld id="{760FBDFE-C587-4B4C-A407-44438C67B59E}" type="datetimeFigureOut">
               <a:rPr lang="zh-CN" altLang="en-US" smtClean="0"/>
-              <a:t>2024/10/29</a:t>
+              <a:t>2024/11/4</a:t>
             </a:fld>
             <a:endParaRPr lang="zh-CN" altLang="en-US"/>
           </a:p>
@@ -1682,7 +1682,7 @@
           <a:p>
             <a:fld id="{760FBDFE-C587-4B4C-A407-44438C67B59E}" type="datetimeFigureOut">
               <a:rPr lang="zh-CN" altLang="en-US" smtClean="0"/>
-              <a:t>2024/10/29</a:t>
+              <a:t>2024/11/4</a:t>
             </a:fld>
             <a:endParaRPr lang="zh-CN" altLang="en-US"/>
           </a:p>
@@ -1914,7 +1914,7 @@
           <a:p>
             <a:fld id="{760FBDFE-C587-4B4C-A407-44438C67B59E}" type="datetimeFigureOut">
               <a:rPr lang="zh-CN" altLang="en-US" smtClean="0"/>
-              <a:t>2024/10/29</a:t>
+              <a:t>2024/11/4</a:t>
             </a:fld>
             <a:endParaRPr lang="zh-CN" altLang="en-US"/>
           </a:p>
@@ -2281,7 +2281,7 @@
           <a:p>
             <a:fld id="{760FBDFE-C587-4B4C-A407-44438C67B59E}" type="datetimeFigureOut">
               <a:rPr lang="zh-CN" altLang="en-US" smtClean="0"/>
-              <a:t>2024/10/29</a:t>
+              <a:t>2024/11/4</a:t>
             </a:fld>
             <a:endParaRPr lang="zh-CN" altLang="en-US"/>
           </a:p>
@@ -2399,7 +2399,7 @@
           <a:p>
             <a:fld id="{760FBDFE-C587-4B4C-A407-44438C67B59E}" type="datetimeFigureOut">
               <a:rPr lang="zh-CN" altLang="en-US" smtClean="0"/>
-              <a:t>2024/10/29</a:t>
+              <a:t>2024/11/4</a:t>
             </a:fld>
             <a:endParaRPr lang="zh-CN" altLang="en-US"/>
           </a:p>
@@ -2494,7 +2494,7 @@
           <a:p>
             <a:fld id="{760FBDFE-C587-4B4C-A407-44438C67B59E}" type="datetimeFigureOut">
               <a:rPr lang="zh-CN" altLang="en-US" smtClean="0"/>
-              <a:t>2024/10/29</a:t>
+              <a:t>2024/11/4</a:t>
             </a:fld>
             <a:endParaRPr lang="zh-CN" altLang="en-US"/>
           </a:p>
@@ -2771,7 +2771,7 @@
           <a:p>
             <a:fld id="{760FBDFE-C587-4B4C-A407-44438C67B59E}" type="datetimeFigureOut">
               <a:rPr lang="zh-CN" altLang="en-US" smtClean="0"/>
-              <a:t>2024/10/29</a:t>
+              <a:t>2024/11/4</a:t>
             </a:fld>
             <a:endParaRPr lang="zh-CN" altLang="en-US"/>
           </a:p>
@@ -3028,7 +3028,7 @@
           <a:p>
             <a:fld id="{9EFD9D74-47D9-4702-A33C-335B63B48DBF}" type="datetimeFigureOut">
               <a:rPr lang="zh-CN" altLang="en-US" smtClean="0"/>
-              <a:t>2024/10/29</a:t>
+              <a:t>2024/11/4</a:t>
             </a:fld>
             <a:endParaRPr lang="zh-CN" altLang="en-US" dirty="0"/>
           </a:p>
@@ -3241,7 +3241,7 @@
           <a:p>
             <a:fld id="{760FBDFE-C587-4B4C-A407-44438C67B59E}" type="datetimeFigureOut">
               <a:rPr lang="zh-CN" altLang="en-US" smtClean="0"/>
-              <a:t>2024/10/29</a:t>
+              <a:t>2024/11/4</a:t>
             </a:fld>
             <a:endParaRPr lang="zh-CN" altLang="en-US"/>
           </a:p>
@@ -3700,7 +3700,11 @@
           <a:lstStyle/>
           <a:p>
             <a:pPr algn="ctr"/>
-            <a:endParaRPr lang="zh-CN" altLang="en-US" sz="1879"/>
+            <a:endParaRPr lang="zh-CN" altLang="en-US" sz="1879">
+              <a:solidFill>
+                <a:schemeClr val="tx1"/>
+              </a:solidFill>
+            </a:endParaRPr>
           </a:p>
         </p:txBody>
       </p:sp>
@@ -3935,12 +3939,18 @@
             <a:pPr algn="l"/>
             <a:r>
               <a:rPr lang="zh-CN" altLang="en-US" sz="4441" b="1" dirty="0">
+                <a:solidFill>
+                  <a:schemeClr val="tx1"/>
+                </a:solidFill>
                 <a:latin typeface="Arial" panose="020B0604020202020204" pitchFamily="34" charset="0"/>
                 <a:cs typeface="Arial" panose="020B0604020202020204" pitchFamily="34" charset="0"/>
               </a:rPr>
               <a:t>摘要</a:t>
             </a:r>
             <a:endParaRPr lang="en-US" altLang="zh-CN" sz="4441" b="1" dirty="0">
+              <a:solidFill>
+                <a:schemeClr val="tx1"/>
+              </a:solidFill>
               <a:latin typeface="Arial" panose="020B0604020202020204" pitchFamily="34" charset="0"/>
               <a:cs typeface="Arial" panose="020B0604020202020204" pitchFamily="34" charset="0"/>
             </a:endParaRPr>
@@ -4044,12 +4054,18 @@
             <a:pPr algn="l"/>
             <a:r>
               <a:rPr lang="zh-CN" altLang="en-US" sz="4441" b="1" dirty="0">
+                <a:solidFill>
+                  <a:schemeClr val="tx1"/>
+                </a:solidFill>
                 <a:latin typeface="Arial" panose="020B0604020202020204" pitchFamily="34" charset="0"/>
                 <a:cs typeface="Arial" panose="020B0604020202020204" pitchFamily="34" charset="0"/>
               </a:rPr>
-              <a:t>知识库构成及应用效果</a:t>
+              <a:t>生僻字知识库及应用效果</a:t>
             </a:r>
             <a:endParaRPr lang="en-US" altLang="zh-CN" sz="4441" b="1" dirty="0">
+              <a:solidFill>
+                <a:schemeClr val="tx1"/>
+              </a:solidFill>
               <a:latin typeface="Arial" panose="020B0604020202020204" pitchFamily="34" charset="0"/>
               <a:cs typeface="Arial" panose="020B0604020202020204" pitchFamily="34" charset="0"/>
             </a:endParaRPr>
@@ -4107,12 +4123,18 @@
             <a:pPr algn="l"/>
             <a:r>
               <a:rPr lang="zh-CN" altLang="en-US" sz="4441" b="1" dirty="0">
+                <a:solidFill>
+                  <a:schemeClr val="tx1"/>
+                </a:solidFill>
                 <a:latin typeface="Arial" panose="020B0604020202020204" pitchFamily="34" charset="0"/>
                 <a:cs typeface="Arial" panose="020B0604020202020204" pitchFamily="34" charset="0"/>
               </a:rPr>
               <a:t>结论</a:t>
             </a:r>
             <a:endParaRPr lang="en-US" altLang="zh-CN" sz="4441" b="1" dirty="0">
+              <a:solidFill>
+                <a:schemeClr val="tx1"/>
+              </a:solidFill>
               <a:latin typeface="Arial" panose="020B0604020202020204" pitchFamily="34" charset="0"/>
               <a:cs typeface="Arial" panose="020B0604020202020204" pitchFamily="34" charset="0"/>
             </a:endParaRPr>
@@ -4157,8 +4179,8 @@
         </p:nvSpPr>
         <p:spPr>
           <a:xfrm>
-            <a:off x="4199615" y="2429649"/>
-            <a:ext cx="23999097" cy="1883977"/>
+            <a:off x="4199615" y="2145277"/>
+            <a:ext cx="23999097" cy="2452723"/>
           </a:xfrm>
           <a:prstGeom prst="rect">
             <a:avLst/>
@@ -4183,105 +4205,105 @@
               </a:spcAft>
             </a:pPr>
             <a:r>
-              <a:rPr lang="zh-CN" altLang="en-US" sz="2826" b="1" dirty="0">
+              <a:rPr lang="zh-CN" altLang="en-US" sz="4000" b="1" dirty="0">
                 <a:latin typeface="Arial" panose="020B0604020202020204" pitchFamily="34" charset="0"/>
                 <a:cs typeface="Arial" panose="020B0604020202020204" pitchFamily="34" charset="0"/>
               </a:rPr>
               <a:t>刘廷超</a:t>
             </a:r>
             <a:r>
-              <a:rPr lang="en-US" altLang="zh-CN" sz="4037" b="1" baseline="30000" dirty="0">
+              <a:rPr lang="en-US" altLang="zh-CN" sz="5400" b="1" baseline="30000" dirty="0">
                 <a:latin typeface="Arial" panose="020B0604020202020204" pitchFamily="34" charset="0"/>
                 <a:cs typeface="Arial" panose="020B0604020202020204" pitchFamily="34" charset="0"/>
               </a:rPr>
               <a:t>1</a:t>
             </a:r>
             <a:r>
-              <a:rPr lang="en-US" altLang="zh-CN" sz="2826" b="1" dirty="0">
+              <a:rPr lang="en-US" altLang="zh-CN" sz="4000" b="1" dirty="0">
                 <a:latin typeface="Arial" panose="020B0604020202020204" pitchFamily="34" charset="0"/>
                 <a:cs typeface="Arial" panose="020B0604020202020204" pitchFamily="34" charset="0"/>
               </a:rPr>
               <a:t>    </a:t>
             </a:r>
             <a:r>
-              <a:rPr lang="zh-CN" altLang="en-US" sz="2826" b="1" dirty="0">
+              <a:rPr lang="zh-CN" altLang="en-US" sz="4000" b="1" dirty="0">
                 <a:latin typeface="Arial" panose="020B0604020202020204" pitchFamily="34" charset="0"/>
                 <a:cs typeface="Arial" panose="020B0604020202020204" pitchFamily="34" charset="0"/>
               </a:rPr>
               <a:t>王雨</a:t>
             </a:r>
             <a:r>
-              <a:rPr lang="en-US" altLang="zh-CN" sz="4037" b="1" baseline="30000" dirty="0">
+              <a:rPr lang="en-US" altLang="zh-CN" sz="5400" b="1" baseline="30000" dirty="0">
                 <a:latin typeface="Arial" panose="020B0604020202020204" pitchFamily="34" charset="0"/>
                 <a:cs typeface="Arial" panose="020B0604020202020204" pitchFamily="34" charset="0"/>
               </a:rPr>
               <a:t>1</a:t>
             </a:r>
             <a:r>
-              <a:rPr lang="en-US" altLang="zh-CN" sz="2826" b="1" dirty="0">
+              <a:rPr lang="en-US" altLang="zh-CN" sz="4000" b="1" dirty="0">
                 <a:latin typeface="Arial" panose="020B0604020202020204" pitchFamily="34" charset="0"/>
                 <a:cs typeface="Arial" panose="020B0604020202020204" pitchFamily="34" charset="0"/>
               </a:rPr>
               <a:t>    </a:t>
             </a:r>
             <a:r>
-              <a:rPr lang="zh-CN" altLang="en-US" sz="2826" b="1" dirty="0">
+              <a:rPr lang="zh-CN" altLang="en-US" sz="4000" b="1" dirty="0">
                 <a:latin typeface="Arial" panose="020B0604020202020204" pitchFamily="34" charset="0"/>
                 <a:cs typeface="Arial" panose="020B0604020202020204" pitchFamily="34" charset="0"/>
               </a:rPr>
               <a:t>饶高琦</a:t>
             </a:r>
             <a:r>
-              <a:rPr lang="en-US" altLang="zh-CN" sz="4037" b="1" baseline="30000" dirty="0">
+              <a:rPr lang="en-US" altLang="zh-CN" sz="5400" b="1" baseline="30000" dirty="0">
                 <a:latin typeface="Arial" panose="020B0604020202020204" pitchFamily="34" charset="0"/>
                 <a:cs typeface="Arial" panose="020B0604020202020204" pitchFamily="34" charset="0"/>
               </a:rPr>
               <a:t>2</a:t>
             </a:r>
             <a:r>
-              <a:rPr lang="en-US" altLang="zh-CN" sz="2826" b="1" dirty="0">
+              <a:rPr lang="en-US" altLang="zh-CN" sz="4000" b="1" dirty="0">
                 <a:latin typeface="Arial" panose="020B0604020202020204" pitchFamily="34" charset="0"/>
                 <a:cs typeface="Arial" panose="020B0604020202020204" pitchFamily="34" charset="0"/>
               </a:rPr>
               <a:t>    </a:t>
             </a:r>
             <a:r>
-              <a:rPr lang="zh-CN" altLang="en-US" sz="2826" b="1" dirty="0">
+              <a:rPr lang="zh-CN" altLang="en-US" sz="4000" b="1" dirty="0">
                 <a:latin typeface="Arial" panose="020B0604020202020204" pitchFamily="34" charset="0"/>
                 <a:cs typeface="Arial" panose="020B0604020202020204" pitchFamily="34" charset="0"/>
               </a:rPr>
               <a:t>杨兆勇</a:t>
             </a:r>
             <a:r>
-              <a:rPr lang="en-US" altLang="zh-CN" sz="4037" b="1" baseline="30000" dirty="0">
+              <a:rPr lang="en-US" altLang="zh-CN" sz="5400" b="1" baseline="30000" dirty="0">
                 <a:latin typeface="Arial" panose="020B0604020202020204" pitchFamily="34" charset="0"/>
                 <a:cs typeface="Arial" panose="020B0604020202020204" pitchFamily="34" charset="0"/>
               </a:rPr>
               <a:t>1</a:t>
             </a:r>
             <a:r>
-              <a:rPr lang="zh-CN" altLang="en-US" sz="2800" b="1" baseline="30000" dirty="0">
+              <a:rPr lang="zh-CN" altLang="en-US" sz="4000" b="1" baseline="30000" dirty="0">
                 <a:latin typeface="Arial" panose="020B0604020202020204" pitchFamily="34" charset="0"/>
                 <a:cs typeface="Arial" panose="020B0604020202020204" pitchFamily="34" charset="0"/>
               </a:rPr>
               <a:t>    </a:t>
             </a:r>
             <a:r>
-              <a:rPr lang="zh-CN" altLang="en-US" sz="2800" b="1" dirty="0">
+              <a:rPr lang="zh-CN" altLang="en-US" sz="4000" b="1" dirty="0">
                 <a:latin typeface="Arial" panose="020B0604020202020204" pitchFamily="34" charset="0"/>
                 <a:cs typeface="Arial" panose="020B0604020202020204" pitchFamily="34" charset="0"/>
               </a:rPr>
               <a:t>荀恩东</a:t>
             </a:r>
             <a:r>
-              <a:rPr lang="en-US" altLang="zh-CN" sz="4000" b="1" baseline="30000" dirty="0">
+              <a:rPr lang="en-US" altLang="zh-CN" sz="5400" b="1" baseline="30000" dirty="0">
                 <a:latin typeface="Arial" panose="020B0604020202020204" pitchFamily="34" charset="0"/>
                 <a:cs typeface="Arial" panose="020B0604020202020204" pitchFamily="34" charset="0"/>
               </a:rPr>
               <a:t>3</a:t>
             </a:r>
             <a:r>
-              <a:rPr lang="en-US" altLang="zh-CN" sz="6000" b="1" dirty="0">
+              <a:rPr lang="en-US" altLang="zh-CN" sz="8000" b="1" dirty="0">
                 <a:latin typeface="Arial" panose="020B0604020202020204" pitchFamily="34" charset="0"/>
                 <a:cs typeface="Arial" panose="020B0604020202020204" pitchFamily="34" charset="0"/>
               </a:rPr>
@@ -4300,21 +4322,7 @@
                 <a:spcPts val="1413"/>
               </a:spcAft>
             </a:pPr>
-            <a:r>
-              <a:rPr lang="en-US" altLang="zh-CN" sz="4037" b="1" baseline="30000" dirty="0">
-                <a:latin typeface="Arial" panose="020B0604020202020204" pitchFamily="34" charset="0"/>
-                <a:cs typeface="Arial" panose="020B0604020202020204" pitchFamily="34" charset="0"/>
-              </a:rPr>
-              <a:t>1.</a:t>
-            </a:r>
-            <a:r>
-              <a:rPr lang="zh-CN" altLang="en-US" sz="4037" b="1" baseline="30000" dirty="0">
-                <a:latin typeface="Arial" panose="020B0604020202020204" pitchFamily="34" charset="0"/>
-                <a:cs typeface="Arial" panose="020B0604020202020204" pitchFamily="34" charset="0"/>
-              </a:rPr>
-              <a:t> 北京语言大学    信息科学学院</a:t>
-            </a:r>
-            <a:endParaRPr lang="en-US" altLang="zh-CN" sz="4037" b="1" baseline="30000" dirty="0">
+            <a:endParaRPr lang="en-US" altLang="zh-CN" sz="5400" b="1" baseline="30000" dirty="0">
               <a:latin typeface="Arial" panose="020B0604020202020204" pitchFamily="34" charset="0"/>
               <a:cs typeface="Arial" panose="020B0604020202020204" pitchFamily="34" charset="0"/>
             </a:endParaRPr>
@@ -4332,20 +4340,20 @@
               </a:spcAft>
             </a:pPr>
             <a:r>
-              <a:rPr lang="en-US" altLang="zh-CN" sz="4037" b="1" baseline="30000" dirty="0">
+              <a:rPr lang="en-US" altLang="zh-CN" sz="5400" b="1" baseline="30000" dirty="0">
                 <a:latin typeface="Arial" panose="020B0604020202020204" pitchFamily="34" charset="0"/>
                 <a:cs typeface="Arial" panose="020B0604020202020204" pitchFamily="34" charset="0"/>
               </a:rPr>
-              <a:t>2. </a:t>
+              <a:t>1.</a:t>
             </a:r>
             <a:r>
-              <a:rPr lang="zh-CN" altLang="en-US" sz="4037" b="1" baseline="30000" dirty="0">
+              <a:rPr lang="zh-CN" altLang="en-US" sz="5400" b="1" baseline="30000" dirty="0">
                 <a:latin typeface="Arial" panose="020B0604020202020204" pitchFamily="34" charset="0"/>
                 <a:cs typeface="Arial" panose="020B0604020202020204" pitchFamily="34" charset="0"/>
               </a:rPr>
-              <a:t>北京语言大学 国际中文教育研究院</a:t>
+              <a:t> 北京语言大学    信息科学学院</a:t>
             </a:r>
-            <a:endParaRPr lang="en-US" altLang="zh-CN" sz="4037" b="1" baseline="30000" dirty="0">
+            <a:endParaRPr lang="en-US" altLang="zh-CN" sz="5400" b="1" baseline="30000" dirty="0">
               <a:latin typeface="Arial" panose="020B0604020202020204" pitchFamily="34" charset="0"/>
               <a:cs typeface="Arial" panose="020B0604020202020204" pitchFamily="34" charset="0"/>
             </a:endParaRPr>
@@ -4363,20 +4371,51 @@
               </a:spcAft>
             </a:pPr>
             <a:r>
-              <a:rPr lang="en-US" altLang="zh-CN" sz="4037" b="1" baseline="30000" dirty="0">
+              <a:rPr lang="en-US" altLang="zh-CN" sz="5400" b="1" baseline="30000" dirty="0">
+                <a:latin typeface="Arial" panose="020B0604020202020204" pitchFamily="34" charset="0"/>
+                <a:cs typeface="Arial" panose="020B0604020202020204" pitchFamily="34" charset="0"/>
+              </a:rPr>
+              <a:t>2. </a:t>
+            </a:r>
+            <a:r>
+              <a:rPr lang="zh-CN" altLang="en-US" sz="5400" b="1" baseline="30000" dirty="0">
+                <a:latin typeface="Arial" panose="020B0604020202020204" pitchFamily="34" charset="0"/>
+                <a:cs typeface="Arial" panose="020B0604020202020204" pitchFamily="34" charset="0"/>
+              </a:rPr>
+              <a:t>北京语言大学 国际中文教育研究院</a:t>
+            </a:r>
+            <a:endParaRPr lang="en-US" altLang="zh-CN" sz="5400" b="1" baseline="30000" dirty="0">
+              <a:latin typeface="Arial" panose="020B0604020202020204" pitchFamily="34" charset="0"/>
+              <a:cs typeface="Arial" panose="020B0604020202020204" pitchFamily="34" charset="0"/>
+            </a:endParaRPr>
+          </a:p>
+          <a:p>
+            <a:pPr algn="ctr">
+              <a:lnSpc>
+                <a:spcPts val="908"/>
+              </a:lnSpc>
+              <a:spcBef>
+                <a:spcPts val="1918"/>
+              </a:spcBef>
+              <a:spcAft>
+                <a:spcPts val="1413"/>
+              </a:spcAft>
+            </a:pPr>
+            <a:r>
+              <a:rPr lang="en-US" altLang="zh-CN" sz="5400" b="1" baseline="30000" dirty="0">
                 <a:latin typeface="Arial" panose="020B0604020202020204" pitchFamily="34" charset="0"/>
                 <a:cs typeface="Arial" panose="020B0604020202020204" pitchFamily="34" charset="0"/>
               </a:rPr>
               <a:t>3.</a:t>
             </a:r>
             <a:r>
-              <a:rPr lang="zh-CN" altLang="en-US" sz="4037" b="1" baseline="30000" dirty="0">
+              <a:rPr lang="zh-CN" altLang="en-US" sz="5400" b="1" baseline="30000" dirty="0">
                 <a:latin typeface="Arial" panose="020B0604020202020204" pitchFamily="34" charset="0"/>
                 <a:cs typeface="Arial" panose="020B0604020202020204" pitchFamily="34" charset="0"/>
               </a:rPr>
               <a:t> 北京语言大学  高精尖语言资源中心</a:t>
             </a:r>
-            <a:endParaRPr lang="en-US" altLang="zh-CN" sz="4037" b="1" baseline="30000" dirty="0">
+            <a:endParaRPr lang="en-US" altLang="zh-CN" sz="5400" b="1" baseline="30000" dirty="0">
               <a:latin typeface="Arial" panose="020B0604020202020204" pitchFamily="34" charset="0"/>
               <a:cs typeface="Arial" panose="020B0604020202020204" pitchFamily="34" charset="0"/>
             </a:endParaRPr>
@@ -4440,12 +4479,18 @@
             <a:pPr algn="l"/>
             <a:r>
               <a:rPr lang="zh-CN" altLang="en-US" sz="4441" b="1" dirty="0">
+                <a:solidFill>
+                  <a:schemeClr val="tx1"/>
+                </a:solidFill>
                 <a:latin typeface="Arial" panose="020B0604020202020204" pitchFamily="34" charset="0"/>
                 <a:cs typeface="Arial" panose="020B0604020202020204" pitchFamily="34" charset="0"/>
               </a:rPr>
               <a:t>生僻字搜索</a:t>
             </a:r>
             <a:endParaRPr lang="en-US" altLang="zh-CN" sz="4441" b="1" dirty="0">
+              <a:solidFill>
+                <a:schemeClr val="tx1"/>
+              </a:solidFill>
               <a:latin typeface="Arial" panose="020B0604020202020204" pitchFamily="34" charset="0"/>
               <a:cs typeface="Arial" panose="020B0604020202020204" pitchFamily="34" charset="0"/>
             </a:endParaRPr>
@@ -4660,6 +4705,9 @@
             </a:pPr>
             <a:r>
               <a:rPr lang="zh-CN" altLang="en-US" sz="3633" b="1" dirty="0">
+                <a:solidFill>
+                  <a:schemeClr val="tx1"/>
+                </a:solidFill>
                 <a:latin typeface="Arial" panose="020B0604020202020204" pitchFamily="34" charset="0"/>
                 <a:cs typeface="Arial" panose="020B0604020202020204" pitchFamily="34" charset="0"/>
               </a:rPr>
@@ -4667,6 +4715,9 @@
             </a:r>
             <a:r>
               <a:rPr lang="en-US" altLang="zh-CN" sz="3633" b="1" dirty="0">
+                <a:solidFill>
+                  <a:schemeClr val="tx1"/>
+                </a:solidFill>
                 <a:latin typeface="Arial" panose="020B0604020202020204" pitchFamily="34" charset="0"/>
                 <a:cs typeface="Arial" panose="020B0604020202020204" pitchFamily="34" charset="0"/>
               </a:rPr>
@@ -4674,12 +4725,18 @@
             </a:r>
             <a:r>
               <a:rPr lang="zh-CN" altLang="en-US" sz="3633" b="1" dirty="0">
+                <a:solidFill>
+                  <a:schemeClr val="tx1"/>
+                </a:solidFill>
                 <a:latin typeface="Arial" panose="020B0604020202020204" pitchFamily="34" charset="0"/>
                 <a:cs typeface="Arial" panose="020B0604020202020204" pitchFamily="34" charset="0"/>
               </a:rPr>
               <a:t>字表</a:t>
             </a:r>
             <a:endParaRPr lang="en-US" altLang="zh-CN" sz="3633" b="1" dirty="0">
+              <a:solidFill>
+                <a:schemeClr val="tx1"/>
+              </a:solidFill>
               <a:latin typeface="Arial" panose="020B0604020202020204" pitchFamily="34" charset="0"/>
               <a:cs typeface="Arial" panose="020B0604020202020204" pitchFamily="34" charset="0"/>
             </a:endParaRPr>
@@ -4894,12 +4951,18 @@
             </a:pPr>
             <a:r>
               <a:rPr lang="zh-CN" altLang="en-US" sz="3633" b="1" dirty="0">
+                <a:solidFill>
+                  <a:schemeClr val="tx1"/>
+                </a:solidFill>
                 <a:latin typeface="Arial" panose="020B0604020202020204" pitchFamily="34" charset="0"/>
                 <a:cs typeface="Arial" panose="020B0604020202020204" pitchFamily="34" charset="0"/>
               </a:rPr>
               <a:t>知识库包含汉字的基本信息以及常用词语、搜索字符串等信息；</a:t>
             </a:r>
             <a:endParaRPr lang="en-US" altLang="zh-CN" sz="3633" b="1" dirty="0">
+              <a:solidFill>
+                <a:schemeClr val="tx1"/>
+              </a:solidFill>
               <a:latin typeface="Arial" panose="020B0604020202020204" pitchFamily="34" charset="0"/>
               <a:cs typeface="Arial" panose="020B0604020202020204" pitchFamily="34" charset="0"/>
             </a:endParaRPr>
@@ -4917,12 +4980,18 @@
             </a:pPr>
             <a:r>
               <a:rPr lang="zh-CN" altLang="en-US" sz="3633" b="1" dirty="0">
+                <a:solidFill>
+                  <a:schemeClr val="tx1"/>
+                </a:solidFill>
                 <a:latin typeface="Arial" panose="020B0604020202020204" pitchFamily="34" charset="0"/>
                 <a:cs typeface="Arial" panose="020B0604020202020204" pitchFamily="34" charset="0"/>
               </a:rPr>
               <a:t>生僻字知识库目前已经在汉语教学产品中得到了应用。</a:t>
             </a:r>
             <a:endParaRPr lang="en-US" altLang="zh-CN" sz="3633" b="1" dirty="0">
+              <a:solidFill>
+                <a:schemeClr val="tx1"/>
+              </a:solidFill>
               <a:latin typeface="Arial" panose="020B0604020202020204" pitchFamily="34" charset="0"/>
               <a:cs typeface="Arial" panose="020B0604020202020204" pitchFamily="34" charset="0"/>
             </a:endParaRPr>
@@ -5140,6 +5209,9 @@
             </a:pPr>
             <a:r>
               <a:rPr lang="zh-CN" altLang="en-US" sz="4000" kern="100" spc="20" dirty="0">
+                <a:solidFill>
+                  <a:schemeClr val="tx1"/>
+                </a:solidFill>
                 <a:effectLst/>
                 <a:latin typeface="宋体" panose="02010600030101010101" pitchFamily="2" charset="-122"/>
                 <a:ea typeface="方正书宋简体"/>
@@ -5148,6 +5220,9 @@
               <a:t>总结了生僻字搜索方法，包括直接查询和拆字查询，并通过实验验证其有效性；</a:t>
             </a:r>
             <a:endParaRPr lang="en-US" altLang="zh-CN" sz="4000" kern="100" spc="20" dirty="0">
+              <a:solidFill>
+                <a:schemeClr val="tx1"/>
+              </a:solidFill>
               <a:effectLst/>
               <a:latin typeface="宋体" panose="02010600030101010101" pitchFamily="2" charset="-122"/>
               <a:ea typeface="方正书宋简体"/>
@@ -5170,6 +5245,9 @@
             </a:pPr>
             <a:r>
               <a:rPr lang="zh-CN" altLang="en-US" sz="4000" kern="100" spc="20" dirty="0">
+                <a:solidFill>
+                  <a:schemeClr val="tx1"/>
+                </a:solidFill>
                 <a:effectLst/>
                 <a:latin typeface="宋体" panose="02010600030101010101" pitchFamily="2" charset="-122"/>
                 <a:ea typeface="方正书宋简体"/>
@@ -5178,6 +5256,9 @@
               <a:t>制定了一套生僻字拆分规则，并通过部件还原和容错处理提高了识别准确性；</a:t>
             </a:r>
             <a:endParaRPr lang="en-US" altLang="zh-CN" sz="4000" kern="100" spc="20" dirty="0">
+              <a:solidFill>
+                <a:schemeClr val="tx1"/>
+              </a:solidFill>
               <a:effectLst/>
               <a:latin typeface="宋体" panose="02010600030101010101" pitchFamily="2" charset="-122"/>
               <a:ea typeface="方正书宋简体"/>
@@ -5200,6 +5281,9 @@
             </a:pPr>
             <a:r>
               <a:rPr lang="zh-CN" altLang="en-US" sz="4000" kern="100" spc="20" dirty="0">
+                <a:solidFill>
+                  <a:schemeClr val="tx1"/>
+                </a:solidFill>
                 <a:effectLst/>
                 <a:latin typeface="宋体" panose="02010600030101010101" pitchFamily="2" charset="-122"/>
                 <a:ea typeface="方正书宋简体"/>
@@ -5208,6 +5292,9 @@
               <a:t>构建了一个全面的生僻字知识库，为生僻字的领域分布、历时统计和拆分搜索等应用提供了有力支持。</a:t>
             </a:r>
             <a:endParaRPr lang="en-US" altLang="zh-CN" sz="4000" kern="100" spc="20" dirty="0">
+              <a:solidFill>
+                <a:schemeClr val="tx1"/>
+              </a:solidFill>
               <a:effectLst/>
               <a:latin typeface="宋体" panose="02010600030101010101" pitchFamily="2" charset="-122"/>
               <a:ea typeface="方正书宋简体"/>
@@ -5227,6 +5314,9 @@
               </a:spcAft>
             </a:pPr>
             <a:endParaRPr lang="en-US" altLang="zh-CN" sz="4000" kern="100" spc="20" dirty="0">
+              <a:solidFill>
+                <a:schemeClr val="tx1"/>
+              </a:solidFill>
               <a:latin typeface="Times New Roman" panose="02020603050405020304" pitchFamily="18" charset="0"/>
               <a:ea typeface="方正书宋简体"/>
             </a:endParaRPr>
@@ -5242,6 +5332,9 @@
             </a:pPr>
             <a:r>
               <a:rPr lang="en" altLang="zh-CN" sz="3633" b="1" dirty="0">
+                <a:solidFill>
+                  <a:schemeClr val="tx1"/>
+                </a:solidFill>
                 <a:latin typeface="Arial" panose="020B0604020202020204" pitchFamily="34" charset="0"/>
                 <a:cs typeface="Arial" panose="020B0604020202020204" pitchFamily="34" charset="0"/>
               </a:rPr>
@@ -5249,27 +5342,13 @@
             </a:r>
             <a:r>
               <a:rPr lang="en" altLang="zh-CN" sz="3633" dirty="0">
+                <a:solidFill>
+                  <a:schemeClr val="tx1"/>
+                </a:solidFill>
                 <a:latin typeface="Arial" panose="020B0604020202020204" pitchFamily="34" charset="0"/>
                 <a:cs typeface="Arial" panose="020B0604020202020204" pitchFamily="34" charset="0"/>
               </a:rPr>
               <a:t>    </a:t>
-            </a:r>
-            <a:r>
-              <a:rPr lang="en-US" altLang="zh-CN" sz="4845" u="sng" dirty="0">
-                <a:solidFill>
-                  <a:srgbClr val="0563C1"/>
-                </a:solidFill>
-                <a:latin typeface="Arial" panose="020B0604020202020204" pitchFamily="34" charset="0"/>
-                <a:cs typeface="Arial" panose="020B0604020202020204" pitchFamily="34" charset="0"/>
-                <a:hlinkClick r:id="rId3">
-                  <a:extLst>
-                    <a:ext uri="{A12FA001-AC4F-418D-AE19-62706E023703}">
-                      <ahyp:hlinkClr xmlns:ahyp="http://schemas.microsoft.com/office/drawing/2018/hyperlinkcolor" val="tx"/>
-                    </a:ext>
-                  </a:extLst>
-                </a:hlinkClick>
-              </a:rPr>
-              <a:t>https://github.com/paineliu</a:t>
             </a:r>
             <a:r>
               <a:rPr lang="en-US" altLang="zh-CN" sz="4845" u="sng" dirty="0">
@@ -5286,7 +5365,7 @@
                   </a:extLst>
                 </a:hlinkClick>
               </a:rPr>
-              <a:t>/</a:t>
+              <a:t>https://github.com/paineliu/</a:t>
             </a:r>
             <a:r>
               <a:rPr lang="en-US" altLang="zh-CN" sz="4845" u="sng" dirty="0">
@@ -5296,7 +5375,7 @@
                 <a:latin typeface="Arial" panose="020B0604020202020204" pitchFamily="34" charset="0"/>
                 <a:cs typeface="Arial" panose="020B0604020202020204" pitchFamily="34" charset="0"/>
               </a:rPr>
-              <a:t>TextToBCC</a:t>
+              <a:t>RCKB</a:t>
             </a:r>
             <a:endParaRPr lang="en" altLang="zh-CN" sz="4845" u="sng" dirty="0">
               <a:solidFill>
@@ -5316,6 +5395,9 @@
               </a:spcAft>
             </a:pPr>
             <a:endParaRPr lang="en" altLang="zh-CN" sz="3633" b="1" dirty="0">
+              <a:solidFill>
+                <a:schemeClr val="tx1"/>
+              </a:solidFill>
               <a:latin typeface="Arial" panose="020B0604020202020204" pitchFamily="34" charset="0"/>
               <a:cs typeface="Arial" panose="020B0604020202020204" pitchFamily="34" charset="0"/>
             </a:endParaRPr>
@@ -5560,12 +5642,18 @@
             </a:pPr>
             <a:r>
               <a:rPr lang="zh-CN" altLang="en-US" sz="3633" b="1" dirty="0">
+                <a:solidFill>
+                  <a:schemeClr val="tx1"/>
+                </a:solidFill>
                 <a:latin typeface="Arial" panose="020B0604020202020204" pitchFamily="34" charset="0"/>
                 <a:cs typeface="Arial" panose="020B0604020202020204" pitchFamily="34" charset="0"/>
               </a:rPr>
               <a:t>当用户遇到生僻字时，通常会使用搜索引擎来查找其含义和用法。用户的搜索行为可以分为直接生僻字搜索和拆字生僻字搜索。</a:t>
             </a:r>
             <a:endParaRPr lang="en" altLang="zh-CN" sz="3633" b="1" dirty="0">
+              <a:solidFill>
+                <a:schemeClr val="tx1"/>
+              </a:solidFill>
               <a:latin typeface="Arial" panose="020B0604020202020204" pitchFamily="34" charset="0"/>
               <a:cs typeface="Arial" panose="020B0604020202020204" pitchFamily="34" charset="0"/>
             </a:endParaRPr>
@@ -5629,12 +5717,18 @@
             <a:pPr algn="l"/>
             <a:r>
               <a:rPr lang="zh-CN" altLang="en-US" sz="4441" b="1" dirty="0">
+                <a:solidFill>
+                  <a:schemeClr val="tx1"/>
+                </a:solidFill>
                 <a:latin typeface="Arial" panose="020B0604020202020204" pitchFamily="34" charset="0"/>
                 <a:cs typeface="Arial" panose="020B0604020202020204" pitchFamily="34" charset="0"/>
               </a:rPr>
               <a:t>生僻字的统计结果</a:t>
             </a:r>
             <a:endParaRPr lang="en-US" altLang="zh-CN" sz="4441" b="1" dirty="0">
+              <a:solidFill>
+                <a:schemeClr val="tx1"/>
+              </a:solidFill>
               <a:latin typeface="Arial" panose="020B0604020202020204" pitchFamily="34" charset="0"/>
               <a:cs typeface="Arial" panose="020B0604020202020204" pitchFamily="34" charset="0"/>
             </a:endParaRPr>
@@ -5649,7 +5743,7 @@
         </p:nvSpPr>
         <p:spPr>
           <a:xfrm>
-            <a:off x="1058038" y="21910857"/>
+            <a:off x="1058038" y="22402628"/>
             <a:ext cx="14151600" cy="969663"/>
           </a:xfrm>
           <a:prstGeom prst="rect">
@@ -5692,12 +5786,18 @@
             <a:pPr algn="l"/>
             <a:r>
               <a:rPr lang="zh-CN" altLang="en-US" sz="4441" b="1" dirty="0">
+                <a:solidFill>
+                  <a:schemeClr val="tx1"/>
+                </a:solidFill>
                 <a:latin typeface="Arial" panose="020B0604020202020204" pitchFamily="34" charset="0"/>
                 <a:cs typeface="Arial" panose="020B0604020202020204" pitchFamily="34" charset="0"/>
               </a:rPr>
               <a:t>拆字搜索部件提取</a:t>
             </a:r>
             <a:endParaRPr lang="en-US" altLang="zh-CN" sz="4441" b="1" dirty="0">
+              <a:solidFill>
+                <a:schemeClr val="tx1"/>
+              </a:solidFill>
               <a:latin typeface="Arial" panose="020B0604020202020204" pitchFamily="34" charset="0"/>
               <a:cs typeface="Arial" panose="020B0604020202020204" pitchFamily="34" charset="0"/>
             </a:endParaRPr>
@@ -5720,7 +5820,7 @@
         </p:nvSpPr>
         <p:spPr>
           <a:xfrm>
-            <a:off x="1058038" y="23477757"/>
+            <a:off x="1058038" y="23969528"/>
             <a:ext cx="14348406" cy="559899"/>
           </a:xfrm>
           <a:prstGeom prst="rect">
@@ -5912,12 +6012,18 @@
             </a:pPr>
             <a:r>
               <a:rPr lang="zh-CN" altLang="en-US" sz="3633" b="1" dirty="0">
+                <a:solidFill>
+                  <a:schemeClr val="tx1"/>
+                </a:solidFill>
                 <a:latin typeface="Arial" panose="020B0604020202020204" pitchFamily="34" charset="0"/>
                 <a:cs typeface="Arial" panose="020B0604020202020204" pitchFamily="34" charset="0"/>
               </a:rPr>
-              <a:t>生僻字组成部件抽取规则</a:t>
+              <a:t>生僻字组成部件提取规则</a:t>
             </a:r>
             <a:endParaRPr lang="en" altLang="zh-CN" sz="3633" b="1" dirty="0">
+              <a:solidFill>
+                <a:schemeClr val="tx1"/>
+              </a:solidFill>
               <a:latin typeface="Arial" panose="020B0604020202020204" pitchFamily="34" charset="0"/>
               <a:cs typeface="Arial" panose="020B0604020202020204" pitchFamily="34" charset="0"/>
             </a:endParaRPr>
@@ -6132,6 +6238,9 @@
             </a:pPr>
             <a:r>
               <a:rPr lang="zh-CN" altLang="en-US" sz="3633" b="1" dirty="0">
+                <a:solidFill>
+                  <a:schemeClr val="tx1"/>
+                </a:solidFill>
                 <a:latin typeface="Arial" panose="020B0604020202020204" pitchFamily="34" charset="0"/>
                 <a:cs typeface="Arial" panose="020B0604020202020204" pitchFamily="34" charset="0"/>
               </a:rPr>
@@ -6139,6 +6248,9 @@
             </a:r>
             <a:r>
               <a:rPr lang="en-US" altLang="zh-CN" sz="3633" b="1" dirty="0">
+                <a:solidFill>
+                  <a:schemeClr val="tx1"/>
+                </a:solidFill>
                 <a:latin typeface="Arial" panose="020B0604020202020204" pitchFamily="34" charset="0"/>
                 <a:cs typeface="Arial" panose="020B0604020202020204" pitchFamily="34" charset="0"/>
               </a:rPr>
@@ -6146,12 +6258,18 @@
             </a:r>
             <a:r>
               <a:rPr lang="zh-CN" altLang="en-US" sz="3633" b="1" dirty="0">
+                <a:solidFill>
+                  <a:schemeClr val="tx1"/>
+                </a:solidFill>
                 <a:latin typeface="Arial" panose="020B0604020202020204" pitchFamily="34" charset="0"/>
                 <a:cs typeface="Arial" panose="020B0604020202020204" pitchFamily="34" charset="0"/>
               </a:rPr>
               <a:t>字表</a:t>
             </a:r>
             <a:endParaRPr lang="en-US" altLang="zh-CN" sz="3633" b="1" dirty="0">
+              <a:solidFill>
+                <a:schemeClr val="tx1"/>
+              </a:solidFill>
               <a:latin typeface="Arial" panose="020B0604020202020204" pitchFamily="34" charset="0"/>
               <a:cs typeface="Arial" panose="020B0604020202020204" pitchFamily="34" charset="0"/>
             </a:endParaRPr>
@@ -6181,11 +6299,19 @@
         <p:spPr>
           <a:xfrm>
             <a:off x="24479649" y="27292268"/>
-            <a:ext cx="6214632" cy="7064081"/>
+            <a:ext cx="6214632" cy="7482968"/>
           </a:xfrm>
           <a:prstGeom prst="rect">
             <a:avLst/>
           </a:prstGeom>
+          <a:ln>
+            <a:solidFill>
+              <a:schemeClr val="tx1">
+                <a:lumMod val="50000"/>
+                <a:lumOff val="50000"/>
+              </a:schemeClr>
+            </a:solidFill>
+          </a:ln>
         </p:spPr>
       </p:pic>
       <p:graphicFrame>
@@ -6203,14 +6329,14 @@
           <p:nvPr>
             <p:extLst>
               <p:ext uri="{D42A27DB-BD31-4B8C-83A1-F6EECF244321}">
-                <p14:modId xmlns:p14="http://schemas.microsoft.com/office/powerpoint/2010/main" val="1456360933"/>
+                <p14:modId xmlns:p14="http://schemas.microsoft.com/office/powerpoint/2010/main" val="3140483371"/>
               </p:ext>
             </p:extLst>
           </p:nvPr>
         </p:nvGraphicFramePr>
         <p:xfrm>
-          <a:off x="17418928" y="27320113"/>
-          <a:ext cx="6686548" cy="7036234"/>
+          <a:off x="17418928" y="27292269"/>
+          <a:ext cx="6686548" cy="7482968"/>
         </p:xfrm>
         <a:graphic>
           <a:graphicData uri="http://schemas.openxmlformats.org/drawingml/2006/table">
@@ -6234,7 +6360,7 @@
                   </a:extLst>
                 </a:gridCol>
               </a:tblGrid>
-              <a:tr h="575594">
+              <a:tr h="612140">
                 <a:tc>
                   <a:txBody>
                     <a:bodyPr/>
@@ -6252,12 +6378,12 @@
                         </a:spcAft>
                       </a:pPr>
                       <a:r>
-                        <a:rPr lang="zh-CN" sz="3600" kern="100" spc="20">
+                        <a:rPr lang="zh-CN" sz="4000" kern="100" spc="20">
                           <a:effectLst/>
                         </a:rPr>
                         <a:t>汉字</a:t>
                       </a:r>
-                      <a:endParaRPr lang="en-US" sz="3600" kern="100" spc="20">
+                      <a:endParaRPr lang="en-US" sz="4000" kern="100" spc="20">
                         <a:effectLst/>
                         <a:latin typeface="Times New Roman" panose="02020603050405020304" pitchFamily="18" charset="0"/>
                         <a:ea typeface="方正书宋简体"/>
@@ -6283,12 +6409,12 @@
                         </a:spcAft>
                       </a:pPr>
                       <a:r>
-                        <a:rPr lang="zh-CN" sz="3600" kern="100" spc="20" dirty="0">
+                        <a:rPr lang="zh-CN" sz="4000" kern="100" spc="20" dirty="0">
                           <a:effectLst/>
                         </a:rPr>
                         <a:t>昱</a:t>
                       </a:r>
-                      <a:endParaRPr lang="en-US" sz="3600" kern="100" spc="20" dirty="0">
+                      <a:endParaRPr lang="en-US" sz="4000" kern="100" spc="20" dirty="0">
                         <a:effectLst/>
                         <a:latin typeface="Times New Roman" panose="02020603050405020304" pitchFamily="18" charset="0"/>
                         <a:ea typeface="方正书宋简体"/>
@@ -6303,7 +6429,7 @@
                   </a:ext>
                 </a:extLst>
               </a:tr>
-              <a:tr h="575594">
+              <a:tr h="612140">
                 <a:tc>
                   <a:txBody>
                     <a:bodyPr/>
@@ -6321,12 +6447,12 @@
                         </a:spcAft>
                       </a:pPr>
                       <a:r>
-                        <a:rPr lang="zh-CN" sz="3600" kern="100" spc="20">
+                        <a:rPr lang="zh-CN" sz="4000" kern="100" spc="20">
                           <a:effectLst/>
                         </a:rPr>
                         <a:t>拼音</a:t>
                       </a:r>
-                      <a:endParaRPr lang="en-US" sz="3600" kern="100" spc="20">
+                      <a:endParaRPr lang="en-US" sz="4000" kern="100" spc="20">
                         <a:effectLst/>
                         <a:latin typeface="Times New Roman" panose="02020603050405020304" pitchFamily="18" charset="0"/>
                         <a:ea typeface="方正书宋简体"/>
@@ -6352,12 +6478,12 @@
                         </a:spcAft>
                       </a:pPr>
                       <a:r>
-                        <a:rPr lang="en-US" sz="3600" kern="100" spc="20" dirty="0" err="1">
+                        <a:rPr lang="en-US" sz="4000" kern="100" spc="20" dirty="0" err="1">
                           <a:effectLst/>
                         </a:rPr>
                         <a:t>yù</a:t>
                       </a:r>
-                      <a:endParaRPr lang="en-US" sz="3600" kern="100" spc="20" dirty="0">
+                      <a:endParaRPr lang="en-US" sz="4000" kern="100" spc="20" dirty="0">
                         <a:effectLst/>
                         <a:latin typeface="Times New Roman" panose="02020603050405020304" pitchFamily="18" charset="0"/>
                         <a:ea typeface="方正书宋简体"/>
@@ -6372,7 +6498,7 @@
                   </a:ext>
                 </a:extLst>
               </a:tr>
-              <a:tr h="575594">
+              <a:tr h="612140">
                 <a:tc>
                   <a:txBody>
                     <a:bodyPr/>
@@ -6390,12 +6516,12 @@
                         </a:spcAft>
                       </a:pPr>
                       <a:r>
-                        <a:rPr lang="zh-CN" sz="3600" kern="100" spc="20">
+                        <a:rPr lang="zh-CN" sz="4000" kern="100" spc="20">
                           <a:effectLst/>
                         </a:rPr>
                         <a:t>通用度</a:t>
                       </a:r>
-                      <a:endParaRPr lang="en-US" sz="3600" kern="100" spc="20">
+                      <a:endParaRPr lang="en-US" sz="4000" kern="100" spc="20">
                         <a:effectLst/>
                         <a:latin typeface="Times New Roman" panose="02020603050405020304" pitchFamily="18" charset="0"/>
                         <a:ea typeface="方正书宋简体"/>
@@ -6421,12 +6547,12 @@
                         </a:spcAft>
                       </a:pPr>
                       <a:r>
-                        <a:rPr lang="en-US" sz="3600" kern="100" spc="20">
+                        <a:rPr lang="en-US" sz="4000" kern="100" spc="20">
                           <a:effectLst/>
                         </a:rPr>
                         <a:t>46479</a:t>
                       </a:r>
-                      <a:endParaRPr lang="en-US" sz="3600" kern="100" spc="20">
+                      <a:endParaRPr lang="en-US" sz="4000" kern="100" spc="20">
                         <a:effectLst/>
                         <a:latin typeface="Times New Roman" panose="02020603050405020304" pitchFamily="18" charset="0"/>
                         <a:ea typeface="方正书宋简体"/>
@@ -6441,7 +6567,7 @@
                   </a:ext>
                 </a:extLst>
               </a:tr>
-              <a:tr h="575594">
+              <a:tr h="612140">
                 <a:tc>
                   <a:txBody>
                     <a:bodyPr/>
@@ -6459,12 +6585,12 @@
                         </a:spcAft>
                       </a:pPr>
                       <a:r>
-                        <a:rPr lang="zh-CN" sz="3600" kern="100" spc="20">
+                        <a:rPr lang="zh-CN" sz="4000" kern="100" spc="20">
                           <a:effectLst/>
                         </a:rPr>
                         <a:t>汉字等级</a:t>
                       </a:r>
-                      <a:endParaRPr lang="en-US" sz="3600" kern="100" spc="20">
+                      <a:endParaRPr lang="en-US" sz="4000" kern="100" spc="20">
                         <a:effectLst/>
                         <a:latin typeface="Times New Roman" panose="02020603050405020304" pitchFamily="18" charset="0"/>
                         <a:ea typeface="方正书宋简体"/>
@@ -6490,12 +6616,12 @@
                         </a:spcAft>
                       </a:pPr>
                       <a:r>
-                        <a:rPr lang="en-US" sz="3600" kern="100" spc="20">
+                        <a:rPr lang="en-US" sz="4000" kern="100" spc="20">
                           <a:effectLst/>
                         </a:rPr>
                         <a:t>2</a:t>
                       </a:r>
-                      <a:endParaRPr lang="en-US" sz="3600" kern="100" spc="20">
+                      <a:endParaRPr lang="en-US" sz="4000" kern="100" spc="20">
                         <a:effectLst/>
                         <a:latin typeface="Times New Roman" panose="02020603050405020304" pitchFamily="18" charset="0"/>
                         <a:ea typeface="方正书宋简体"/>
@@ -6510,7 +6636,7 @@
                   </a:ext>
                 </a:extLst>
               </a:tr>
-              <a:tr h="575594">
+              <a:tr h="612140">
                 <a:tc>
                   <a:txBody>
                     <a:bodyPr/>
@@ -6528,12 +6654,12 @@
                         </a:spcAft>
                       </a:pPr>
                       <a:r>
-                        <a:rPr lang="zh-CN" sz="3600" kern="100" spc="20">
+                        <a:rPr lang="zh-CN" sz="4000" kern="100" spc="20">
                           <a:effectLst/>
                         </a:rPr>
                         <a:t>组成部件</a:t>
                       </a:r>
-                      <a:endParaRPr lang="en-US" sz="3600" kern="100" spc="20">
+                      <a:endParaRPr lang="en-US" sz="4000" kern="100" spc="20">
                         <a:effectLst/>
                         <a:latin typeface="Times New Roman" panose="02020603050405020304" pitchFamily="18" charset="0"/>
                         <a:ea typeface="方正书宋简体"/>
@@ -6559,12 +6685,12 @@
                         </a:spcAft>
                       </a:pPr>
                       <a:r>
-                        <a:rPr lang="zh-CN" sz="3600" kern="100" spc="20">
+                        <a:rPr lang="zh-CN" sz="4000" kern="100" spc="20">
                           <a:effectLst/>
                         </a:rPr>
                         <a:t>日立</a:t>
                       </a:r>
-                      <a:endParaRPr lang="en-US" sz="3600" kern="100" spc="20">
+                      <a:endParaRPr lang="en-US" sz="4000" kern="100" spc="20">
                         <a:effectLst/>
                         <a:latin typeface="Times New Roman" panose="02020603050405020304" pitchFamily="18" charset="0"/>
                         <a:ea typeface="方正书宋简体"/>
@@ -6579,7 +6705,7 @@
                   </a:ext>
                 </a:extLst>
               </a:tr>
-              <a:tr h="2380065">
+              <a:tr h="2531173">
                 <a:tc>
                   <a:txBody>
                     <a:bodyPr/>
@@ -6597,12 +6723,12 @@
                         </a:spcAft>
                       </a:pPr>
                       <a:r>
-                        <a:rPr lang="zh-CN" sz="3600" kern="100" spc="20">
+                        <a:rPr lang="zh-CN" sz="4000" kern="100" spc="20">
                           <a:effectLst/>
                         </a:rPr>
                         <a:t>常用词语，词语通用度</a:t>
                       </a:r>
-                      <a:endParaRPr lang="en-US" sz="3600" kern="100" spc="20">
+                      <a:endParaRPr lang="en-US" sz="4000" kern="100" spc="20">
                         <a:effectLst/>
                         <a:latin typeface="Times New Roman" panose="02020603050405020304" pitchFamily="18" charset="0"/>
                         <a:ea typeface="方正书宋简体"/>
@@ -6628,13 +6754,13 @@
                         </a:spcAft>
                       </a:pPr>
                       <a:r>
-                        <a:rPr lang="zh-CN" sz="3600" kern="100" spc="20">
+                        <a:rPr lang="zh-CN" sz="4000" kern="100" spc="20" dirty="0">
                           <a:effectLst/>
                         </a:rPr>
                         <a:t>王昱珩，</a:t>
                       </a:r>
                       <a:r>
-                        <a:rPr lang="en-US" sz="3600" kern="100" spc="20">
+                        <a:rPr lang="en-US" sz="4000" kern="100" spc="20" dirty="0">
                           <a:effectLst/>
                         </a:rPr>
                         <a:t>52143</a:t>
@@ -6653,13 +6779,13 @@
                         </a:spcAft>
                       </a:pPr>
                       <a:r>
-                        <a:rPr lang="zh-CN" sz="3600" kern="100" spc="20">
+                        <a:rPr lang="zh-CN" sz="4000" kern="100" spc="20" dirty="0">
                           <a:effectLst/>
                         </a:rPr>
                         <a:t>朱相昱，</a:t>
                       </a:r>
                       <a:r>
-                        <a:rPr lang="en-US" sz="3600" kern="100" spc="20">
+                        <a:rPr lang="en-US" sz="4000" kern="100" spc="20" dirty="0">
                           <a:effectLst/>
                         </a:rPr>
                         <a:t>47549</a:t>
@@ -6678,13 +6804,13 @@
                         </a:spcAft>
                       </a:pPr>
                       <a:r>
-                        <a:rPr lang="zh-CN" sz="3600" kern="100" spc="20">
+                        <a:rPr lang="zh-CN" sz="4000" kern="100" spc="20" dirty="0">
                           <a:effectLst/>
                         </a:rPr>
                         <a:t>瑞昱，</a:t>
                       </a:r>
                       <a:r>
-                        <a:rPr lang="en-US" sz="3600" kern="100" spc="20">
+                        <a:rPr lang="en-US" sz="4000" kern="100" spc="20" dirty="0">
                           <a:effectLst/>
                         </a:rPr>
                         <a:t>14756</a:t>
@@ -6703,12 +6829,12 @@
                         </a:spcAft>
                       </a:pPr>
                       <a:r>
-                        <a:rPr lang="en-US" sz="3600" kern="100" spc="20">
+                        <a:rPr lang="en-US" sz="4000" kern="100" spc="20" dirty="0">
                           <a:effectLst/>
                         </a:rPr>
                         <a:t>…,…</a:t>
                       </a:r>
-                      <a:endParaRPr lang="en-US" sz="3600" kern="100" spc="20">
+                      <a:endParaRPr lang="en-US" sz="4000" kern="100" spc="20" dirty="0">
                         <a:effectLst/>
                         <a:latin typeface="Times New Roman" panose="02020603050405020304" pitchFamily="18" charset="0"/>
                         <a:ea typeface="方正书宋简体"/>
@@ -6723,7 +6849,7 @@
                   </a:ext>
                 </a:extLst>
               </a:tr>
-              <a:tr h="1778199">
+              <a:tr h="1891094">
                 <a:tc>
                   <a:txBody>
                     <a:bodyPr/>
@@ -6741,12 +6867,12 @@
                         </a:spcAft>
                       </a:pPr>
                       <a:r>
-                        <a:rPr lang="zh-CN" sz="3600" kern="100" spc="20">
+                        <a:rPr lang="zh-CN" sz="4000" kern="100" spc="20">
                           <a:effectLst/>
                         </a:rPr>
                         <a:t>搜索字符串</a:t>
                       </a:r>
-                      <a:endParaRPr lang="en-US" sz="3600" kern="100" spc="20">
+                      <a:endParaRPr lang="en-US" sz="4000" kern="100" spc="20">
                         <a:effectLst/>
                         <a:latin typeface="Times New Roman" panose="02020603050405020304" pitchFamily="18" charset="0"/>
                         <a:ea typeface="方正书宋简体"/>
@@ -6772,12 +6898,12 @@
                         </a:spcAft>
                       </a:pPr>
                       <a:r>
-                        <a:rPr lang="zh-CN" sz="3600" kern="100" spc="20" dirty="0">
+                        <a:rPr lang="zh-CN" sz="4000" kern="100" spc="20" dirty="0">
                           <a:effectLst/>
                         </a:rPr>
                         <a:t>日立</a:t>
                       </a:r>
-                      <a:endParaRPr lang="en-US" sz="3600" kern="100" spc="20" dirty="0">
+                      <a:endParaRPr lang="en-US" sz="4000" kern="100" spc="20" dirty="0">
                         <a:effectLst/>
                       </a:endParaRPr>
                     </a:p>
@@ -6794,12 +6920,12 @@
                         </a:spcAft>
                       </a:pPr>
                       <a:r>
-                        <a:rPr lang="zh-CN" sz="3600" kern="100" spc="20" dirty="0">
+                        <a:rPr lang="zh-CN" sz="4000" kern="100" spc="20" dirty="0">
                           <a:effectLst/>
                         </a:rPr>
                         <a:t>上日下立</a:t>
                       </a:r>
-                      <a:endParaRPr lang="en-US" sz="3600" kern="100" spc="20" dirty="0">
+                      <a:endParaRPr lang="en-US" sz="4000" kern="100" spc="20" dirty="0">
                         <a:effectLst/>
                       </a:endParaRPr>
                     </a:p>
@@ -6816,12 +6942,12 @@
                         </a:spcAft>
                       </a:pPr>
                       <a:r>
-                        <a:rPr lang="en-US" sz="3600" kern="100" spc="20" dirty="0">
+                        <a:rPr lang="en-US" sz="4000" kern="100" spc="20" dirty="0">
                           <a:effectLst/>
                         </a:rPr>
                         <a:t>…</a:t>
                       </a:r>
-                      <a:endParaRPr lang="en-US" sz="3600" kern="100" spc="20" dirty="0">
+                      <a:endParaRPr lang="en-US" sz="4000" kern="100" spc="20" dirty="0">
                         <a:effectLst/>
                         <a:latin typeface="Times New Roman" panose="02020603050405020304" pitchFamily="18" charset="0"/>
                         <a:ea typeface="方正书宋简体"/>
@@ -6855,14 +6981,14 @@
           <p:nvPr>
             <p:extLst>
               <p:ext uri="{D42A27DB-BD31-4B8C-83A1-F6EECF244321}">
-                <p14:modId xmlns:p14="http://schemas.microsoft.com/office/powerpoint/2010/main" val="3282383104"/>
+                <p14:modId xmlns:p14="http://schemas.microsoft.com/office/powerpoint/2010/main" val="293717006"/>
               </p:ext>
             </p:extLst>
           </p:nvPr>
         </p:nvGraphicFramePr>
         <p:xfrm>
           <a:off x="1343309" y="14867523"/>
-          <a:ext cx="13466312" cy="2753551"/>
+          <a:ext cx="13466312" cy="3059494"/>
         </p:xfrm>
         <a:graphic>
           <a:graphicData uri="http://schemas.openxmlformats.org/drawingml/2006/table">
@@ -6904,12 +7030,18 @@
                         </a:spcAft>
                       </a:pPr>
                       <a:r>
-                        <a:rPr lang="zh-CN" sz="3600" kern="100" spc="20" dirty="0">
+                        <a:rPr lang="zh-CN" sz="4000" kern="100" spc="20" dirty="0">
+                          <a:solidFill>
+                            <a:schemeClr val="tx1"/>
+                          </a:solidFill>
                           <a:effectLst/>
                         </a:rPr>
                         <a:t>搜索字符串</a:t>
                       </a:r>
-                      <a:endParaRPr lang="en-US" sz="3600" kern="100" spc="20" dirty="0">
+                      <a:endParaRPr lang="en-US" sz="4000" kern="100" spc="20" dirty="0">
+                        <a:solidFill>
+                          <a:schemeClr val="tx1"/>
+                        </a:solidFill>
                         <a:effectLst/>
                         <a:latin typeface="Times New Roman" panose="02020603050405020304" pitchFamily="18" charset="0"/>
                         <a:ea typeface="方正书宋简体"/>
@@ -6935,12 +7067,18 @@
                         </a:spcAft>
                       </a:pPr>
                       <a:r>
-                        <a:rPr lang="zh-CN" sz="3600" kern="100" spc="20">
+                        <a:rPr lang="zh-CN" sz="4000" kern="100" spc="20">
+                          <a:solidFill>
+                            <a:schemeClr val="tx1"/>
+                          </a:solidFill>
                           <a:effectLst/>
                         </a:rPr>
                         <a:t>次数</a:t>
                       </a:r>
-                      <a:endParaRPr lang="en-US" sz="3600" kern="100" spc="20">
+                      <a:endParaRPr lang="en-US" sz="4000" kern="100" spc="20">
+                        <a:solidFill>
+                          <a:schemeClr val="tx1"/>
+                        </a:solidFill>
                         <a:effectLst/>
                         <a:latin typeface="Times New Roman" panose="02020603050405020304" pitchFamily="18" charset="0"/>
                         <a:ea typeface="方正书宋简体"/>
@@ -6973,12 +7111,18 @@
                         </a:spcAft>
                       </a:pPr>
                       <a:r>
-                        <a:rPr lang="zh-CN" sz="3600" kern="100" spc="20" dirty="0">
+                        <a:rPr lang="zh-CN" sz="4000" kern="100" spc="20" dirty="0">
+                          <a:solidFill>
+                            <a:schemeClr val="tx1"/>
+                          </a:solidFill>
                           <a:effectLst/>
                         </a:rPr>
                         <a:t>灏读什么</a:t>
                       </a:r>
-                      <a:endParaRPr lang="en-US" sz="3600" kern="100" spc="20" dirty="0">
+                      <a:endParaRPr lang="en-US" sz="4000" kern="100" spc="20" dirty="0">
+                        <a:solidFill>
+                          <a:schemeClr val="tx1"/>
+                        </a:solidFill>
                         <a:effectLst/>
                         <a:latin typeface="Times New Roman" panose="02020603050405020304" pitchFamily="18" charset="0"/>
                         <a:ea typeface="方正书宋简体"/>
@@ -7004,12 +7148,18 @@
                         </a:spcAft>
                       </a:pPr>
                       <a:r>
-                        <a:rPr lang="en-US" sz="3600" kern="100" spc="20" dirty="0">
+                        <a:rPr lang="en-US" sz="4000" kern="100" spc="20" dirty="0">
+                          <a:solidFill>
+                            <a:schemeClr val="tx1"/>
+                          </a:solidFill>
                           <a:effectLst/>
                         </a:rPr>
                         <a:t>53</a:t>
                       </a:r>
-                      <a:endParaRPr lang="en-US" sz="3600" kern="100" spc="20" dirty="0">
+                      <a:endParaRPr lang="en-US" sz="4000" kern="100" spc="20" dirty="0">
+                        <a:solidFill>
+                          <a:schemeClr val="tx1"/>
+                        </a:solidFill>
                         <a:effectLst/>
                         <a:latin typeface="Times New Roman" panose="02020603050405020304" pitchFamily="18" charset="0"/>
                         <a:ea typeface="方正书宋简体"/>
@@ -7042,12 +7192,18 @@
                         </a:spcAft>
                       </a:pPr>
                       <a:r>
-                        <a:rPr lang="zh-CN" sz="3600" kern="100" spc="20" dirty="0">
+                        <a:rPr lang="zh-CN" sz="4000" kern="100" spc="20" dirty="0">
+                          <a:solidFill>
+                            <a:schemeClr val="tx1"/>
+                          </a:solidFill>
                           <a:effectLst/>
                         </a:rPr>
                         <a:t>闰字读什么</a:t>
                       </a:r>
-                      <a:endParaRPr lang="en-US" sz="3600" kern="100" spc="20" dirty="0">
+                      <a:endParaRPr lang="en-US" sz="4000" kern="100" spc="20" dirty="0">
+                        <a:solidFill>
+                          <a:schemeClr val="tx1"/>
+                        </a:solidFill>
                         <a:effectLst/>
                         <a:latin typeface="Times New Roman" panose="02020603050405020304" pitchFamily="18" charset="0"/>
                         <a:ea typeface="方正书宋简体"/>
@@ -7073,12 +7229,18 @@
                         </a:spcAft>
                       </a:pPr>
                       <a:r>
-                        <a:rPr lang="en-US" sz="3600" kern="100" spc="20" dirty="0">
+                        <a:rPr lang="en-US" sz="4000" kern="100" spc="20" dirty="0">
+                          <a:solidFill>
+                            <a:schemeClr val="tx1"/>
+                          </a:solidFill>
                           <a:effectLst/>
                         </a:rPr>
                         <a:t>6</a:t>
                       </a:r>
-                      <a:endParaRPr lang="en-US" sz="3600" kern="100" spc="20" dirty="0">
+                      <a:endParaRPr lang="en-US" sz="4000" kern="100" spc="20" dirty="0">
+                        <a:solidFill>
+                          <a:schemeClr val="tx1"/>
+                        </a:solidFill>
                         <a:effectLst/>
                         <a:latin typeface="Times New Roman" panose="02020603050405020304" pitchFamily="18" charset="0"/>
                         <a:ea typeface="方正书宋简体"/>
@@ -7111,12 +7273,18 @@
                         </a:spcAft>
                       </a:pPr>
                       <a:r>
-                        <a:rPr lang="zh-CN" sz="3600" kern="100" spc="20">
+                        <a:rPr lang="zh-CN" sz="4000" kern="100" spc="20">
+                          <a:solidFill>
+                            <a:schemeClr val="tx1"/>
+                          </a:solidFill>
                           <a:effectLst/>
                         </a:rPr>
                         <a:t>斐读什么</a:t>
                       </a:r>
-                      <a:endParaRPr lang="en-US" sz="3600" kern="100" spc="20">
+                      <a:endParaRPr lang="en-US" sz="4000" kern="100" spc="20">
+                        <a:solidFill>
+                          <a:schemeClr val="tx1"/>
+                        </a:solidFill>
                         <a:effectLst/>
                         <a:latin typeface="Times New Roman" panose="02020603050405020304" pitchFamily="18" charset="0"/>
                         <a:ea typeface="方正书宋简体"/>
@@ -7142,12 +7310,18 @@
                         </a:spcAft>
                       </a:pPr>
                       <a:r>
-                        <a:rPr lang="en-US" sz="3600" kern="100" spc="20" dirty="0">
+                        <a:rPr lang="en-US" sz="4000" kern="100" spc="20" dirty="0">
+                          <a:solidFill>
+                            <a:schemeClr val="tx1"/>
+                          </a:solidFill>
                           <a:effectLst/>
                         </a:rPr>
                         <a:t>6</a:t>
                       </a:r>
-                      <a:endParaRPr lang="en-US" sz="3600" kern="100" spc="20" dirty="0">
+                      <a:endParaRPr lang="en-US" sz="4000" kern="100" spc="20" dirty="0">
+                        <a:solidFill>
+                          <a:schemeClr val="tx1"/>
+                        </a:solidFill>
                         <a:effectLst/>
                         <a:latin typeface="Times New Roman" panose="02020603050405020304" pitchFamily="18" charset="0"/>
                         <a:ea typeface="方正书宋简体"/>
@@ -7180,12 +7354,18 @@
                         </a:spcAft>
                       </a:pPr>
                       <a:r>
-                        <a:rPr lang="en-US" sz="3600" kern="100" spc="20" dirty="0">
+                        <a:rPr lang="en-US" sz="4000" kern="100" spc="20" dirty="0">
+                          <a:solidFill>
+                            <a:schemeClr val="tx1"/>
+                          </a:solidFill>
                           <a:effectLst/>
                         </a:rPr>
                         <a:t>…</a:t>
                       </a:r>
-                      <a:endParaRPr lang="en-US" sz="3600" kern="100" spc="20" dirty="0">
+                      <a:endParaRPr lang="en-US" sz="4000" kern="100" spc="20" dirty="0">
+                        <a:solidFill>
+                          <a:schemeClr val="tx1"/>
+                        </a:solidFill>
                         <a:effectLst/>
                         <a:latin typeface="Times New Roman" panose="02020603050405020304" pitchFamily="18" charset="0"/>
                         <a:ea typeface="方正书宋简体"/>
@@ -7211,12 +7391,18 @@
                         </a:spcAft>
                       </a:pPr>
                       <a:r>
-                        <a:rPr lang="en-US" sz="3600" kern="100" spc="20" dirty="0">
+                        <a:rPr lang="en-US" sz="4000" kern="100" spc="20" dirty="0">
+                          <a:solidFill>
+                            <a:schemeClr val="tx1"/>
+                          </a:solidFill>
                           <a:effectLst/>
                         </a:rPr>
                         <a:t>…</a:t>
                       </a:r>
-                      <a:endParaRPr lang="en-US" sz="3600" kern="100" spc="20" dirty="0">
+                      <a:endParaRPr lang="en-US" sz="4000" kern="100" spc="20" dirty="0">
+                        <a:solidFill>
+                          <a:schemeClr val="tx1"/>
+                        </a:solidFill>
                         <a:effectLst/>
                         <a:latin typeface="Times New Roman" panose="02020603050405020304" pitchFamily="18" charset="0"/>
                         <a:ea typeface="方正书宋简体"/>
@@ -7250,14 +7436,14 @@
           <p:nvPr>
             <p:extLst>
               <p:ext uri="{D42A27DB-BD31-4B8C-83A1-F6EECF244321}">
-                <p14:modId xmlns:p14="http://schemas.microsoft.com/office/powerpoint/2010/main" val="96669744"/>
+                <p14:modId xmlns:p14="http://schemas.microsoft.com/office/powerpoint/2010/main" val="434750707"/>
               </p:ext>
             </p:extLst>
           </p:nvPr>
         </p:nvGraphicFramePr>
         <p:xfrm>
-          <a:off x="1420781" y="18732251"/>
-          <a:ext cx="13466312" cy="2753551"/>
+          <a:off x="1420781" y="19080825"/>
+          <a:ext cx="13466312" cy="3059494"/>
         </p:xfrm>
         <a:graphic>
           <a:graphicData uri="http://schemas.openxmlformats.org/drawingml/2006/table">
@@ -7299,12 +7485,12 @@
                         </a:spcAft>
                       </a:pPr>
                       <a:r>
-                        <a:rPr lang="zh-CN" sz="3600" kern="100" spc="20">
+                        <a:rPr lang="zh-CN" sz="4000" kern="100" spc="20">
                           <a:effectLst/>
                         </a:rPr>
                         <a:t>搜索字符串</a:t>
                       </a:r>
-                      <a:endParaRPr lang="en-US" sz="3600" kern="100" spc="20">
+                      <a:endParaRPr lang="en-US" sz="4000" kern="100" spc="20">
                         <a:effectLst/>
                         <a:latin typeface="Times New Roman" panose="02020603050405020304" pitchFamily="18" charset="0"/>
                         <a:ea typeface="方正书宋简体"/>
@@ -7330,12 +7516,12 @@
                         </a:spcAft>
                       </a:pPr>
                       <a:r>
-                        <a:rPr lang="zh-CN" sz="3600" kern="100" spc="20">
+                        <a:rPr lang="zh-CN" sz="4000" kern="100" spc="20">
                           <a:effectLst/>
                         </a:rPr>
                         <a:t>次数</a:t>
                       </a:r>
-                      <a:endParaRPr lang="en-US" sz="3600" kern="100" spc="20">
+                      <a:endParaRPr lang="en-US" sz="4000" kern="100" spc="20">
                         <a:effectLst/>
                         <a:latin typeface="Times New Roman" panose="02020603050405020304" pitchFamily="18" charset="0"/>
                         <a:ea typeface="方正书宋简体"/>
@@ -7368,12 +7554,12 @@
                         </a:spcAft>
                       </a:pPr>
                       <a:r>
-                        <a:rPr lang="zh-CN" sz="3600" kern="100" spc="20">
+                        <a:rPr lang="zh-CN" sz="4000" kern="100" spc="20">
                           <a:effectLst/>
                         </a:rPr>
                         <a:t>三个火字读什么</a:t>
                       </a:r>
-                      <a:endParaRPr lang="en-US" sz="3600" kern="100" spc="20">
+                      <a:endParaRPr lang="en-US" sz="4000" kern="100" spc="20">
                         <a:effectLst/>
                         <a:latin typeface="Times New Roman" panose="02020603050405020304" pitchFamily="18" charset="0"/>
                         <a:ea typeface="方正书宋简体"/>
@@ -7399,12 +7585,12 @@
                         </a:spcAft>
                       </a:pPr>
                       <a:r>
-                        <a:rPr lang="en-US" sz="3600" kern="100" spc="20" dirty="0">
+                        <a:rPr lang="en-US" sz="4000" kern="100" spc="20" dirty="0">
                           <a:effectLst/>
                         </a:rPr>
                         <a:t>160</a:t>
                       </a:r>
-                      <a:endParaRPr lang="en-US" sz="3600" kern="100" spc="20" dirty="0">
+                      <a:endParaRPr lang="en-US" sz="4000" kern="100" spc="20" dirty="0">
                         <a:effectLst/>
                         <a:latin typeface="Times New Roman" panose="02020603050405020304" pitchFamily="18" charset="0"/>
                         <a:ea typeface="方正书宋简体"/>
@@ -7437,12 +7623,12 @@
                         </a:spcAft>
                       </a:pPr>
                       <a:r>
-                        <a:rPr lang="zh-CN" sz="3600" kern="100" spc="20">
+                        <a:rPr lang="zh-CN" sz="4000" kern="100" spc="20">
                           <a:effectLst/>
                         </a:rPr>
                         <a:t>三个火念什么</a:t>
                       </a:r>
-                      <a:endParaRPr lang="en-US" sz="3600" kern="100" spc="20">
+                      <a:endParaRPr lang="en-US" sz="4000" kern="100" spc="20">
                         <a:effectLst/>
                         <a:latin typeface="Times New Roman" panose="02020603050405020304" pitchFamily="18" charset="0"/>
                         <a:ea typeface="方正书宋简体"/>
@@ -7468,12 +7654,12 @@
                         </a:spcAft>
                       </a:pPr>
                       <a:r>
-                        <a:rPr lang="en-US" sz="3600" kern="100" spc="20" dirty="0">
+                        <a:rPr lang="en-US" sz="4000" kern="100" spc="20" dirty="0">
                           <a:effectLst/>
                         </a:rPr>
                         <a:t>156</a:t>
                       </a:r>
-                      <a:endParaRPr lang="en-US" sz="3600" kern="100" spc="20" dirty="0">
+                      <a:endParaRPr lang="en-US" sz="4000" kern="100" spc="20" dirty="0">
                         <a:effectLst/>
                         <a:latin typeface="Times New Roman" panose="02020603050405020304" pitchFamily="18" charset="0"/>
                         <a:ea typeface="方正书宋简体"/>
@@ -7506,12 +7692,12 @@
                         </a:spcAft>
                       </a:pPr>
                       <a:r>
-                        <a:rPr lang="zh-CN" sz="3600" kern="100" spc="20">
+                        <a:rPr lang="zh-CN" sz="4000" kern="100" spc="20">
                           <a:effectLst/>
                         </a:rPr>
                         <a:t>三个火加一个木是什么字</a:t>
                       </a:r>
-                      <a:endParaRPr lang="en-US" sz="3600" kern="100" spc="20">
+                      <a:endParaRPr lang="en-US" sz="4000" kern="100" spc="20">
                         <a:effectLst/>
                         <a:latin typeface="Times New Roman" panose="02020603050405020304" pitchFamily="18" charset="0"/>
                         <a:ea typeface="方正书宋简体"/>
@@ -7537,12 +7723,12 @@
                         </a:spcAft>
                       </a:pPr>
                       <a:r>
-                        <a:rPr lang="en-US" sz="3600" kern="100" spc="20" dirty="0">
+                        <a:rPr lang="en-US" sz="4000" kern="100" spc="20" dirty="0">
                           <a:effectLst/>
                         </a:rPr>
                         <a:t>53</a:t>
                       </a:r>
-                      <a:endParaRPr lang="en-US" sz="3600" kern="100" spc="20" dirty="0">
+                      <a:endParaRPr lang="en-US" sz="4000" kern="100" spc="20" dirty="0">
                         <a:effectLst/>
                         <a:latin typeface="Times New Roman" panose="02020603050405020304" pitchFamily="18" charset="0"/>
                         <a:ea typeface="方正书宋简体"/>
@@ -7575,12 +7761,12 @@
                         </a:spcAft>
                       </a:pPr>
                       <a:r>
-                        <a:rPr lang="en-US" sz="3600" kern="100" spc="20">
+                        <a:rPr lang="en-US" sz="4000" kern="100" spc="20">
                           <a:effectLst/>
                         </a:rPr>
                         <a:t>…</a:t>
                       </a:r>
-                      <a:endParaRPr lang="en-US" sz="3600" kern="100" spc="20">
+                      <a:endParaRPr lang="en-US" sz="4000" kern="100" spc="20">
                         <a:effectLst/>
                         <a:latin typeface="Times New Roman" panose="02020603050405020304" pitchFamily="18" charset="0"/>
                         <a:ea typeface="方正书宋简体"/>
@@ -7606,12 +7792,12 @@
                         </a:spcAft>
                       </a:pPr>
                       <a:r>
-                        <a:rPr lang="en-US" sz="3600" kern="100" spc="20" dirty="0">
+                        <a:rPr lang="en-US" sz="4000" kern="100" spc="20" dirty="0">
                           <a:effectLst/>
                         </a:rPr>
                         <a:t>…</a:t>
                       </a:r>
-                      <a:endParaRPr lang="en-US" sz="3600" kern="100" spc="20" dirty="0">
+                      <a:endParaRPr lang="en-US" sz="4000" kern="100" spc="20" dirty="0">
                         <a:effectLst/>
                         <a:latin typeface="Times New Roman" panose="02020603050405020304" pitchFamily="18" charset="0"/>
                         <a:ea typeface="方正书宋简体"/>
@@ -11245,12 +11431,18 @@
             </a:pPr>
             <a:r>
               <a:rPr lang="zh-CN" altLang="en-US" sz="3633" b="1" dirty="0">
+                <a:solidFill>
+                  <a:schemeClr val="tx1"/>
+                </a:solidFill>
                 <a:latin typeface="Arial" panose="020B0604020202020204" pitchFamily="34" charset="0"/>
                 <a:cs typeface="Arial" panose="020B0604020202020204" pitchFamily="34" charset="0"/>
               </a:rPr>
               <a:t>直接生僻字搜索示例</a:t>
             </a:r>
             <a:endParaRPr lang="en" altLang="zh-CN" sz="3633" b="1" dirty="0">
+              <a:solidFill>
+                <a:schemeClr val="tx1"/>
+              </a:solidFill>
               <a:latin typeface="Arial" panose="020B0604020202020204" pitchFamily="34" charset="0"/>
               <a:cs typeface="Arial" panose="020B0604020202020204" pitchFamily="34" charset="0"/>
             </a:endParaRPr>
@@ -11273,7 +11465,7 @@
         </p:nvSpPr>
         <p:spPr>
           <a:xfrm>
-            <a:off x="1076724" y="17885179"/>
+            <a:off x="1076724" y="18233753"/>
             <a:ext cx="14348406" cy="1254737"/>
           </a:xfrm>
           <a:prstGeom prst="rect">
@@ -11465,12 +11657,18 @@
             </a:pPr>
             <a:r>
               <a:rPr lang="zh-CN" altLang="en-US" sz="3633" b="1" dirty="0">
+                <a:solidFill>
+                  <a:schemeClr val="tx1"/>
+                </a:solidFill>
                 <a:latin typeface="Arial" panose="020B0604020202020204" pitchFamily="34" charset="0"/>
                 <a:cs typeface="Arial" panose="020B0604020202020204" pitchFamily="34" charset="0"/>
               </a:rPr>
               <a:t>拆字生僻字搜索示例</a:t>
             </a:r>
             <a:endParaRPr lang="en" altLang="zh-CN" sz="3633" b="1" dirty="0">
+              <a:solidFill>
+                <a:schemeClr val="tx1"/>
+              </a:solidFill>
               <a:latin typeface="Arial" panose="020B0604020202020204" pitchFamily="34" charset="0"/>
               <a:cs typeface="Arial" panose="020B0604020202020204" pitchFamily="34" charset="0"/>
             </a:endParaRPr>
@@ -11492,13 +11690,13 @@
           <p:nvPr>
             <p:extLst>
               <p:ext uri="{D42A27DB-BD31-4B8C-83A1-F6EECF244321}">
-                <p14:modId xmlns:p14="http://schemas.microsoft.com/office/powerpoint/2010/main" val="2382964889"/>
+                <p14:modId xmlns:p14="http://schemas.microsoft.com/office/powerpoint/2010/main" val="161983841"/>
               </p:ext>
             </p:extLst>
           </p:nvPr>
         </p:nvGraphicFramePr>
         <p:xfrm>
-          <a:off x="1340084" y="24441763"/>
+          <a:off x="1340084" y="24933534"/>
           <a:ext cx="13693956" cy="10166785"/>
         </p:xfrm>
         <a:graphic>
@@ -11548,12 +11746,12 @@
                         </a:spcAft>
                       </a:pPr>
                       <a:r>
-                        <a:rPr lang="zh-CN" sz="3600" kern="100" spc="20">
+                        <a:rPr lang="zh-CN" sz="4000" kern="100" spc="20">
                           <a:effectLst/>
                         </a:rPr>
                         <a:t>规则</a:t>
                       </a:r>
-                      <a:endParaRPr lang="en-US" sz="3600" kern="100" spc="20">
+                      <a:endParaRPr lang="en-US" sz="4000" kern="100" spc="20">
                         <a:effectLst/>
                         <a:latin typeface="Times New Roman" panose="02020603050405020304" pitchFamily="18" charset="0"/>
                         <a:ea typeface="方正书宋简体"/>
@@ -11579,12 +11777,12 @@
                         </a:spcAft>
                       </a:pPr>
                       <a:r>
-                        <a:rPr lang="zh-CN" sz="3600" kern="100" spc="20">
+                        <a:rPr lang="zh-CN" sz="4000" kern="100" spc="20">
                           <a:effectLst/>
                         </a:rPr>
                         <a:t>示例</a:t>
                       </a:r>
-                      <a:endParaRPr lang="en-US" sz="3600" kern="100" spc="20">
+                      <a:endParaRPr lang="en-US" sz="4000" kern="100" spc="20">
                         <a:effectLst/>
                         <a:latin typeface="Times New Roman" panose="02020603050405020304" pitchFamily="18" charset="0"/>
                         <a:ea typeface="方正书宋简体"/>
@@ -11610,12 +11808,12 @@
                         </a:spcAft>
                       </a:pPr>
                       <a:r>
-                        <a:rPr lang="zh-CN" sz="3600" kern="100" spc="20" dirty="0">
+                        <a:rPr lang="zh-CN" sz="4000" kern="100" spc="20" dirty="0">
                           <a:effectLst/>
                         </a:rPr>
                         <a:t>结果</a:t>
                       </a:r>
-                      <a:endParaRPr lang="en-US" sz="3600" kern="100" spc="20" dirty="0">
+                      <a:endParaRPr lang="en-US" sz="4000" kern="100" spc="20" dirty="0">
                         <a:effectLst/>
                         <a:latin typeface="Times New Roman" panose="02020603050405020304" pitchFamily="18" charset="0"/>
                         <a:ea typeface="方正书宋简体"/>
@@ -11648,12 +11846,12 @@
                         </a:spcAft>
                       </a:pPr>
                       <a:r>
-                        <a:rPr lang="zh-CN" sz="3600" kern="100" spc="20">
+                        <a:rPr lang="zh-CN" sz="4000" kern="100" spc="20">
                           <a:effectLst/>
                         </a:rPr>
                         <a:t>数量词</a:t>
                       </a:r>
-                      <a:endParaRPr lang="en-US" sz="3600" kern="100" spc="20">
+                      <a:endParaRPr lang="en-US" sz="4000" kern="100" spc="20">
                         <a:effectLst/>
                         <a:latin typeface="Times New Roman" panose="02020603050405020304" pitchFamily="18" charset="0"/>
                         <a:ea typeface="方正书宋简体"/>
@@ -11679,12 +11877,12 @@
                         </a:spcAft>
                       </a:pPr>
                       <a:r>
-                        <a:rPr lang="zh-CN" sz="3600" kern="100" spc="20">
+                        <a:rPr lang="zh-CN" sz="4000" kern="100" spc="20">
                           <a:effectLst/>
                         </a:rPr>
                         <a:t>一个立一个羽</a:t>
                       </a:r>
-                      <a:endParaRPr lang="en-US" sz="3600" kern="100" spc="20">
+                      <a:endParaRPr lang="en-US" sz="4000" kern="100" spc="20">
                         <a:effectLst/>
                       </a:endParaRPr>
                     </a:p>
@@ -11701,12 +11899,12 @@
                         </a:spcAft>
                       </a:pPr>
                       <a:r>
-                        <a:rPr lang="zh-CN" sz="3600" kern="100" spc="20">
+                        <a:rPr lang="zh-CN" sz="4000" kern="100" spc="20">
                           <a:effectLst/>
                         </a:rPr>
                         <a:t>两个方一个土</a:t>
                       </a:r>
-                      <a:endParaRPr lang="en-US" sz="3600" kern="100" spc="20">
+                      <a:endParaRPr lang="en-US" sz="4000" kern="100" spc="20">
                         <a:effectLst/>
                       </a:endParaRPr>
                     </a:p>
@@ -11723,12 +11921,12 @@
                         </a:spcAft>
                       </a:pPr>
                       <a:r>
-                        <a:rPr lang="zh-CN" sz="3600" kern="100" spc="20">
+                        <a:rPr lang="zh-CN" sz="4000" kern="100" spc="20">
                           <a:effectLst/>
                         </a:rPr>
                         <a:t>三个火加一个木</a:t>
                       </a:r>
-                      <a:endParaRPr lang="en-US" sz="3600" kern="100" spc="20">
+                      <a:endParaRPr lang="en-US" sz="4000" kern="100" spc="20">
                         <a:effectLst/>
                         <a:latin typeface="Times New Roman" panose="02020603050405020304" pitchFamily="18" charset="0"/>
                         <a:ea typeface="方正书宋简体"/>
@@ -11754,12 +11952,12 @@
                         </a:spcAft>
                       </a:pPr>
                       <a:r>
-                        <a:rPr lang="zh-CN" sz="3600" kern="100" spc="20">
+                        <a:rPr lang="zh-CN" sz="4000" kern="100" spc="20">
                           <a:effectLst/>
                         </a:rPr>
                         <a:t>立羽</a:t>
                       </a:r>
-                      <a:endParaRPr lang="en-US" sz="3600" kern="100" spc="20">
+                      <a:endParaRPr lang="en-US" sz="4000" kern="100" spc="20">
                         <a:effectLst/>
                       </a:endParaRPr>
                     </a:p>
@@ -11776,12 +11974,12 @@
                         </a:spcAft>
                       </a:pPr>
                       <a:r>
-                        <a:rPr lang="zh-CN" sz="3600" kern="100" spc="20">
+                        <a:rPr lang="zh-CN" sz="4000" kern="100" spc="20">
                           <a:effectLst/>
                         </a:rPr>
                         <a:t>方方土</a:t>
                       </a:r>
-                      <a:endParaRPr lang="en-US" sz="3600" kern="100" spc="20">
+                      <a:endParaRPr lang="en-US" sz="4000" kern="100" spc="20">
                         <a:effectLst/>
                       </a:endParaRPr>
                     </a:p>
@@ -11798,12 +11996,12 @@
                         </a:spcAft>
                       </a:pPr>
                       <a:r>
-                        <a:rPr lang="zh-CN" sz="3600" kern="100" spc="20">
+                        <a:rPr lang="zh-CN" sz="4000" kern="100" spc="20">
                           <a:effectLst/>
                         </a:rPr>
                         <a:t>火火火木</a:t>
                       </a:r>
-                      <a:endParaRPr lang="en-US" sz="3600" kern="100" spc="20">
+                      <a:endParaRPr lang="en-US" sz="4000" kern="100" spc="20">
                         <a:effectLst/>
                         <a:latin typeface="Times New Roman" panose="02020603050405020304" pitchFamily="18" charset="0"/>
                         <a:ea typeface="方正书宋简体"/>
@@ -11836,12 +12034,12 @@
                         </a:spcAft>
                       </a:pPr>
                       <a:r>
-                        <a:rPr lang="zh-CN" sz="3600" kern="100" spc="20" dirty="0">
+                        <a:rPr lang="zh-CN" sz="4000" kern="100" spc="20" dirty="0">
                           <a:effectLst/>
                         </a:rPr>
                         <a:t>部首</a:t>
                       </a:r>
-                      <a:endParaRPr lang="en-US" sz="3600" kern="100" spc="20" dirty="0">
+                      <a:endParaRPr lang="en-US" sz="4000" kern="100" spc="20" dirty="0">
                         <a:effectLst/>
                         <a:latin typeface="Times New Roman" panose="02020603050405020304" pitchFamily="18" charset="0"/>
                         <a:ea typeface="方正书宋简体"/>
@@ -11867,12 +12065,12 @@
                         </a:spcAft>
                       </a:pPr>
                       <a:r>
-                        <a:rPr lang="zh-CN" sz="3600" kern="100" spc="20">
+                        <a:rPr lang="zh-CN" sz="4000" kern="100" spc="20">
                           <a:effectLst/>
                         </a:rPr>
                         <a:t>三点水一个女</a:t>
                       </a:r>
-                      <a:endParaRPr lang="en-US" sz="3600" kern="100" spc="20">
+                      <a:endParaRPr lang="en-US" sz="4000" kern="100" spc="20">
                         <a:effectLst/>
                       </a:endParaRPr>
                     </a:p>
@@ -11889,12 +12087,12 @@
                         </a:spcAft>
                       </a:pPr>
                       <a:r>
-                        <a:rPr lang="zh-CN" sz="3600" kern="100" spc="20">
+                        <a:rPr lang="zh-CN" sz="4000" kern="100" spc="20" dirty="0">
                           <a:effectLst/>
                         </a:rPr>
                         <a:t>一个单人旁一个吉</a:t>
                       </a:r>
-                      <a:endParaRPr lang="en-US" sz="3600" kern="100" spc="20">
+                      <a:endParaRPr lang="en-US" sz="4000" kern="100" spc="20" dirty="0">
                         <a:effectLst/>
                       </a:endParaRPr>
                     </a:p>
@@ -11911,12 +12109,12 @@
                         </a:spcAft>
                       </a:pPr>
                       <a:r>
-                        <a:rPr lang="zh-CN" sz="3600" kern="100" spc="20">
+                        <a:rPr lang="zh-CN" sz="4000" kern="100" spc="20" dirty="0">
                           <a:effectLst/>
                         </a:rPr>
                         <a:t>草字头下面一个长</a:t>
                       </a:r>
-                      <a:endParaRPr lang="en-US" sz="3600" kern="100" spc="20">
+                      <a:endParaRPr lang="en-US" sz="4000" kern="100" spc="20" dirty="0">
                         <a:effectLst/>
                         <a:latin typeface="Times New Roman" panose="02020603050405020304" pitchFamily="18" charset="0"/>
                         <a:ea typeface="方正书宋简体"/>
@@ -11942,12 +12140,12 @@
                         </a:spcAft>
                       </a:pPr>
                       <a:r>
-                        <a:rPr lang="zh-CN" sz="3600" kern="100" spc="20" dirty="0">
+                        <a:rPr lang="zh-CN" sz="4000" kern="100" spc="20" dirty="0">
                           <a:effectLst/>
                         </a:rPr>
                         <a:t>氵女</a:t>
                       </a:r>
-                      <a:endParaRPr lang="en-US" sz="3600" kern="100" spc="20" dirty="0">
+                      <a:endParaRPr lang="en-US" sz="4000" kern="100" spc="20" dirty="0">
                         <a:effectLst/>
                       </a:endParaRPr>
                     </a:p>
@@ -11964,12 +12162,12 @@
                         </a:spcAft>
                       </a:pPr>
                       <a:r>
-                        <a:rPr lang="zh-CN" sz="3600" kern="100" spc="20" dirty="0">
+                        <a:rPr lang="zh-CN" sz="4000" kern="100" spc="20" dirty="0">
                           <a:effectLst/>
                         </a:rPr>
                         <a:t>亻吉</a:t>
                       </a:r>
-                      <a:endParaRPr lang="en-US" sz="3600" kern="100" spc="20" dirty="0">
+                      <a:endParaRPr lang="en-US" sz="4000" kern="100" spc="20" dirty="0">
                         <a:effectLst/>
                       </a:endParaRPr>
                     </a:p>
@@ -11986,12 +12184,12 @@
                         </a:spcAft>
                       </a:pPr>
                       <a:r>
-                        <a:rPr lang="zh-CN" sz="3600" kern="100" spc="20" dirty="0">
+                        <a:rPr lang="zh-CN" sz="4000" kern="100" spc="20" dirty="0">
                           <a:effectLst/>
                         </a:rPr>
                         <a:t>艹长</a:t>
                       </a:r>
-                      <a:endParaRPr lang="en-US" sz="3600" kern="100" spc="20" dirty="0">
+                      <a:endParaRPr lang="en-US" sz="4000" kern="100" spc="20" dirty="0">
                         <a:effectLst/>
                         <a:latin typeface="Times New Roman" panose="02020603050405020304" pitchFamily="18" charset="0"/>
                         <a:ea typeface="方正书宋简体"/>
@@ -12024,12 +12222,12 @@
                         </a:spcAft>
                       </a:pPr>
                       <a:r>
-                        <a:rPr lang="zh-CN" sz="3600" kern="100" spc="20">
+                        <a:rPr lang="zh-CN" sz="4000" kern="100" spc="20">
                           <a:effectLst/>
                         </a:rPr>
                         <a:t>结构</a:t>
                       </a:r>
-                      <a:endParaRPr lang="en-US" sz="3600" kern="100" spc="20">
+                      <a:endParaRPr lang="en-US" sz="4000" kern="100" spc="20">
                         <a:effectLst/>
                         <a:latin typeface="Times New Roman" panose="02020603050405020304" pitchFamily="18" charset="0"/>
                         <a:ea typeface="方正书宋简体"/>
@@ -12055,12 +12253,12 @@
                         </a:spcAft>
                       </a:pPr>
                       <a:r>
-                        <a:rPr lang="zh-CN" sz="3600" kern="100" spc="20">
+                        <a:rPr lang="zh-CN" sz="4000" kern="100" spc="20">
                           <a:effectLst/>
                         </a:rPr>
                         <a:t>斌下面一个贝</a:t>
                       </a:r>
-                      <a:endParaRPr lang="en-US" sz="3600" kern="100" spc="20">
+                      <a:endParaRPr lang="en-US" sz="4000" kern="100" spc="20">
                         <a:effectLst/>
                       </a:endParaRPr>
                     </a:p>
@@ -12077,12 +12275,12 @@
                         </a:spcAft>
                       </a:pPr>
                       <a:r>
-                        <a:rPr lang="zh-CN" sz="3600" kern="100" spc="20">
+                        <a:rPr lang="zh-CN" sz="4000" kern="100" spc="20">
                           <a:effectLst/>
                         </a:rPr>
                         <a:t>左边一个革右边一个斤</a:t>
                       </a:r>
-                      <a:endParaRPr lang="en-US" sz="3600" kern="100" spc="20">
+                      <a:endParaRPr lang="en-US" sz="4000" kern="100" spc="20">
                         <a:effectLst/>
                         <a:latin typeface="Times New Roman" panose="02020603050405020304" pitchFamily="18" charset="0"/>
                         <a:ea typeface="方正书宋简体"/>
@@ -12108,12 +12306,12 @@
                         </a:spcAft>
                       </a:pPr>
                       <a:r>
-                        <a:rPr lang="zh-CN" sz="3600" kern="100" spc="20" dirty="0">
+                        <a:rPr lang="zh-CN" sz="4000" kern="100" spc="20" dirty="0">
                           <a:effectLst/>
                         </a:rPr>
                         <a:t>上下结构</a:t>
                       </a:r>
-                      <a:endParaRPr lang="en-US" sz="3600" kern="100" spc="20" dirty="0">
+                      <a:endParaRPr lang="en-US" sz="4000" kern="100" spc="20" dirty="0">
                         <a:effectLst/>
                       </a:endParaRPr>
                     </a:p>
@@ -12130,12 +12328,12 @@
                         </a:spcAft>
                       </a:pPr>
                       <a:r>
-                        <a:rPr lang="zh-CN" sz="3600" kern="100" spc="20" dirty="0">
+                        <a:rPr lang="zh-CN" sz="4000" kern="100" spc="20" dirty="0">
                           <a:effectLst/>
                         </a:rPr>
                         <a:t>左右结构</a:t>
                       </a:r>
-                      <a:endParaRPr lang="en-US" sz="3600" kern="100" spc="20" dirty="0">
+                      <a:endParaRPr lang="en-US" sz="4000" kern="100" spc="20" dirty="0">
                         <a:effectLst/>
                         <a:latin typeface="Times New Roman" panose="02020603050405020304" pitchFamily="18" charset="0"/>
                         <a:ea typeface="方正书宋简体"/>
@@ -12168,12 +12366,12 @@
                         </a:spcAft>
                       </a:pPr>
                       <a:r>
-                        <a:rPr lang="zh-CN" sz="3600" kern="100" spc="20">
+                        <a:rPr lang="zh-CN" sz="4000" kern="100" spc="20">
                           <a:effectLst/>
                         </a:rPr>
                         <a:t>加</a:t>
                       </a:r>
-                      <a:endParaRPr lang="en-US" sz="3600" kern="100" spc="20">
+                      <a:endParaRPr lang="en-US" sz="4000" kern="100" spc="20">
                         <a:effectLst/>
                         <a:latin typeface="Times New Roman" panose="02020603050405020304" pitchFamily="18" charset="0"/>
                         <a:ea typeface="方正书宋简体"/>
@@ -12199,12 +12397,12 @@
                         </a:spcAft>
                       </a:pPr>
                       <a:r>
-                        <a:rPr lang="zh-CN" sz="3600" kern="100" spc="20">
+                        <a:rPr lang="zh-CN" sz="4000" kern="100" spc="20">
                           <a:effectLst/>
                         </a:rPr>
                         <a:t>三个火加一个木</a:t>
                       </a:r>
-                      <a:endParaRPr lang="en-US" sz="3600" kern="100" spc="20">
+                      <a:endParaRPr lang="en-US" sz="4000" kern="100" spc="20">
                         <a:effectLst/>
                       </a:endParaRPr>
                     </a:p>
@@ -12221,12 +12419,12 @@
                         </a:spcAft>
                       </a:pPr>
                       <a:r>
-                        <a:rPr lang="zh-CN" sz="3600" kern="100" spc="20">
+                        <a:rPr lang="zh-CN" sz="4000" kern="100" spc="20">
                           <a:effectLst/>
                         </a:rPr>
                         <a:t>上面一个加下面一个可</a:t>
                       </a:r>
-                      <a:endParaRPr lang="en-US" sz="3600" kern="100" spc="20">
+                      <a:endParaRPr lang="en-US" sz="4000" kern="100" spc="20">
                         <a:effectLst/>
                         <a:latin typeface="Times New Roman" panose="02020603050405020304" pitchFamily="18" charset="0"/>
                         <a:ea typeface="方正书宋简体"/>
@@ -12252,12 +12450,12 @@
                         </a:spcAft>
                       </a:pPr>
                       <a:r>
-                        <a:rPr lang="zh-CN" sz="3600" kern="100" spc="20">
+                        <a:rPr lang="zh-CN" sz="4000" kern="100" spc="20">
                           <a:effectLst/>
                         </a:rPr>
                         <a:t>删除</a:t>
                       </a:r>
-                      <a:endParaRPr lang="en-US" sz="3600" kern="100" spc="20">
+                      <a:endParaRPr lang="en-US" sz="4000" kern="100" spc="20">
                         <a:effectLst/>
                       </a:endParaRPr>
                     </a:p>
@@ -12274,12 +12472,12 @@
                         </a:spcAft>
                       </a:pPr>
                       <a:r>
-                        <a:rPr lang="zh-CN" sz="3600" kern="100" spc="20">
+                        <a:rPr lang="zh-CN" sz="4000" kern="100" spc="20">
                           <a:effectLst/>
                         </a:rPr>
                         <a:t>保留</a:t>
                       </a:r>
-                      <a:endParaRPr lang="en-US" sz="3600" kern="100" spc="20">
+                      <a:endParaRPr lang="en-US" sz="4000" kern="100" spc="20">
                         <a:effectLst/>
                         <a:latin typeface="Times New Roman" panose="02020603050405020304" pitchFamily="18" charset="0"/>
                         <a:ea typeface="方正书宋简体"/>
@@ -12312,12 +12510,12 @@
                         </a:spcAft>
                       </a:pPr>
                       <a:r>
-                        <a:rPr lang="zh-CN" sz="3600" kern="100" spc="20">
+                        <a:rPr lang="zh-CN" sz="4000" kern="100" spc="20">
                           <a:effectLst/>
                         </a:rPr>
                         <a:t>修饰语</a:t>
                       </a:r>
-                      <a:endParaRPr lang="en-US" sz="3600" kern="100" spc="20">
+                      <a:endParaRPr lang="en-US" sz="4000" kern="100" spc="20">
                         <a:effectLst/>
                         <a:latin typeface="Times New Roman" panose="02020603050405020304" pitchFamily="18" charset="0"/>
                         <a:ea typeface="方正书宋简体"/>
@@ -12343,12 +12541,12 @@
                         </a:spcAft>
                       </a:pPr>
                       <a:r>
-                        <a:rPr lang="zh-CN" sz="3600" kern="100" spc="20">
+                        <a:rPr lang="zh-CN" sz="4000" kern="100" spc="20">
                           <a:effectLst/>
                         </a:rPr>
                         <a:t>男女男合起来</a:t>
                       </a:r>
-                      <a:endParaRPr lang="en-US" sz="3600" kern="100" spc="20">
+                      <a:endParaRPr lang="en-US" sz="4000" kern="100" spc="20">
                         <a:effectLst/>
                       </a:endParaRPr>
                     </a:p>
@@ -12365,12 +12563,12 @@
                         </a:spcAft>
                       </a:pPr>
                       <a:r>
-                        <a:rPr lang="zh-CN" sz="3600" kern="100" spc="20">
+                        <a:rPr lang="zh-CN" sz="4000" kern="100" spc="20">
                           <a:effectLst/>
                         </a:rPr>
                         <a:t>更生组成的</a:t>
                       </a:r>
-                      <a:endParaRPr lang="en-US" sz="3600" kern="100" spc="20">
+                      <a:endParaRPr lang="en-US" sz="4000" kern="100" spc="20">
                         <a:effectLst/>
                         <a:latin typeface="Times New Roman" panose="02020603050405020304" pitchFamily="18" charset="0"/>
                         <a:ea typeface="方正书宋简体"/>
@@ -12396,12 +12594,12 @@
                         </a:spcAft>
                       </a:pPr>
                       <a:r>
-                        <a:rPr lang="zh-CN" sz="3600" kern="100" spc="20">
+                        <a:rPr lang="zh-CN" sz="4000" kern="100" spc="20">
                           <a:effectLst/>
                         </a:rPr>
                         <a:t>删除</a:t>
                       </a:r>
-                      <a:endParaRPr lang="en-US" sz="3600" kern="100" spc="20">
+                      <a:endParaRPr lang="en-US" sz="4000" kern="100" spc="20">
                         <a:effectLst/>
                       </a:endParaRPr>
                     </a:p>
@@ -12418,12 +12616,12 @@
                         </a:spcAft>
                       </a:pPr>
                       <a:r>
-                        <a:rPr lang="zh-CN" sz="3600" kern="100" spc="20">
+                        <a:rPr lang="zh-CN" sz="4000" kern="100" spc="20">
                           <a:effectLst/>
                         </a:rPr>
                         <a:t>删除</a:t>
                       </a:r>
-                      <a:endParaRPr lang="en-US" sz="3600" kern="100" spc="20">
+                      <a:endParaRPr lang="en-US" sz="4000" kern="100" spc="20">
                         <a:effectLst/>
                         <a:latin typeface="Times New Roman" panose="02020603050405020304" pitchFamily="18" charset="0"/>
                         <a:ea typeface="方正书宋简体"/>
@@ -12456,12 +12654,12 @@
                         </a:spcAft>
                       </a:pPr>
                       <a:r>
-                        <a:rPr lang="zh-CN" sz="3600" kern="100" spc="20">
+                        <a:rPr lang="zh-CN" sz="4000" kern="100" spc="20">
                           <a:effectLst/>
                         </a:rPr>
                         <a:t>去除</a:t>
                       </a:r>
-                      <a:endParaRPr lang="en-US" sz="3600" kern="100" spc="20">
+                      <a:endParaRPr lang="en-US" sz="4000" kern="100" spc="20">
                         <a:effectLst/>
                         <a:latin typeface="Times New Roman" panose="02020603050405020304" pitchFamily="18" charset="0"/>
                         <a:ea typeface="方正书宋简体"/>
@@ -12487,12 +12685,12 @@
                         </a:spcAft>
                       </a:pPr>
                       <a:r>
-                        <a:rPr lang="zh-CN" sz="3600" kern="100" spc="20">
+                        <a:rPr lang="zh-CN" sz="4000" kern="100" spc="20">
                           <a:effectLst/>
                         </a:rPr>
                         <a:t>埠去掉土</a:t>
                       </a:r>
-                      <a:endParaRPr lang="en-US" sz="3600" kern="100" spc="20">
+                      <a:endParaRPr lang="en-US" sz="4000" kern="100" spc="20">
                         <a:effectLst/>
                       </a:endParaRPr>
                     </a:p>
@@ -12509,12 +12707,12 @@
                         </a:spcAft>
                       </a:pPr>
                       <a:r>
-                        <a:rPr lang="zh-CN" sz="3600" kern="100" spc="20">
+                        <a:rPr lang="zh-CN" sz="4000" kern="100" spc="20">
                           <a:effectLst/>
                         </a:rPr>
                         <a:t>演去掉三点水</a:t>
                       </a:r>
-                      <a:endParaRPr lang="en-US" sz="3600" kern="100" spc="20">
+                      <a:endParaRPr lang="en-US" sz="4000" kern="100" spc="20">
                         <a:effectLst/>
                         <a:latin typeface="Times New Roman" panose="02020603050405020304" pitchFamily="18" charset="0"/>
                         <a:ea typeface="方正书宋简体"/>
@@ -12540,24 +12738,24 @@
                         </a:spcAft>
                       </a:pPr>
                       <a:r>
-                        <a:rPr lang="zh-CN" sz="3600" kern="100" spc="20" dirty="0">
+                        <a:rPr lang="zh-CN" sz="4000" kern="100" spc="20" dirty="0">
                           <a:effectLst/>
                         </a:rPr>
                         <a:t>埠</a:t>
                       </a:r>
                       <a:r>
-                        <a:rPr lang="en-US" sz="3600" kern="100" spc="20" dirty="0">
+                        <a:rPr lang="en-US" sz="4000" kern="100" spc="20" dirty="0">
                           <a:effectLst/>
                         </a:rPr>
                         <a:t>|</a:t>
                       </a:r>
                       <a:r>
-                        <a:rPr lang="zh-CN" sz="3600" kern="100" spc="20" dirty="0">
+                        <a:rPr lang="zh-CN" sz="4000" kern="100" spc="20" dirty="0">
                           <a:effectLst/>
                         </a:rPr>
                         <a:t>土</a:t>
                       </a:r>
-                      <a:endParaRPr lang="en-US" sz="3600" kern="100" spc="20" dirty="0">
+                      <a:endParaRPr lang="en-US" sz="4000" kern="100" spc="20" dirty="0">
                         <a:effectLst/>
                       </a:endParaRPr>
                     </a:p>
@@ -12574,24 +12772,24 @@
                         </a:spcAft>
                       </a:pPr>
                       <a:r>
-                        <a:rPr lang="zh-CN" sz="3600" kern="100" spc="20" dirty="0">
+                        <a:rPr lang="zh-CN" sz="4000" kern="100" spc="20" dirty="0">
                           <a:effectLst/>
                         </a:rPr>
                         <a:t>演</a:t>
                       </a:r>
                       <a:r>
-                        <a:rPr lang="en-US" sz="3600" kern="100" spc="20" dirty="0">
+                        <a:rPr lang="en-US" sz="4000" kern="100" spc="20" dirty="0">
                           <a:effectLst/>
                         </a:rPr>
                         <a:t>|</a:t>
                       </a:r>
                       <a:r>
-                        <a:rPr lang="zh-CN" sz="3600" kern="100" spc="20" dirty="0">
+                        <a:rPr lang="zh-CN" sz="4000" kern="100" spc="20" dirty="0">
                           <a:effectLst/>
                         </a:rPr>
                         <a:t>氵</a:t>
                       </a:r>
-                      <a:endParaRPr lang="en-US" sz="3600" kern="100" spc="20" dirty="0">
+                      <a:endParaRPr lang="en-US" sz="4000" kern="100" spc="20" dirty="0">
                         <a:effectLst/>
                         <a:latin typeface="Times New Roman" panose="02020603050405020304" pitchFamily="18" charset="0"/>
                         <a:ea typeface="方正书宋简体"/>
@@ -12625,14 +12823,14 @@
           <p:nvPr>
             <p:extLst>
               <p:ext uri="{D42A27DB-BD31-4B8C-83A1-F6EECF244321}">
-                <p14:modId xmlns:p14="http://schemas.microsoft.com/office/powerpoint/2010/main" val="4159456207"/>
+                <p14:modId xmlns:p14="http://schemas.microsoft.com/office/powerpoint/2010/main" val="3172940166"/>
               </p:ext>
             </p:extLst>
           </p:nvPr>
         </p:nvGraphicFramePr>
         <p:xfrm>
           <a:off x="1340085" y="36189049"/>
-          <a:ext cx="13693956" cy="5508181"/>
+          <a:ext cx="13693956" cy="4895914"/>
         </p:xfrm>
         <a:graphic>
           <a:graphicData uri="http://schemas.openxmlformats.org/drawingml/2006/table">
@@ -12648,14 +12846,14 @@
                     </a:ext>
                   </a:extLst>
                 </a:gridCol>
-                <a:gridCol w="5671930">
+                <a:gridCol w="6297954">
                   <a:extLst>
                     <a:ext uri="{9D8B030D-6E8A-4147-A177-3AD203B41FA5}">
                       <a16:colId xmlns:a16="http://schemas.microsoft.com/office/drawing/2014/main" val="766148899"/>
                     </a:ext>
                   </a:extLst>
                 </a:gridCol>
-                <a:gridCol w="2969017">
+                <a:gridCol w="2342993">
                   <a:extLst>
                     <a:ext uri="{9D8B030D-6E8A-4147-A177-3AD203B41FA5}">
                       <a16:colId xmlns:a16="http://schemas.microsoft.com/office/drawing/2014/main" val="1759988633"/>
@@ -12688,12 +12886,12 @@
                         </a:spcAft>
                       </a:pPr>
                       <a:r>
-                        <a:rPr lang="zh-CN" sz="3600" kern="100" spc="20">
+                        <a:rPr lang="zh-CN" sz="4000" kern="100" spc="20">
                           <a:effectLst/>
                         </a:rPr>
                         <a:t>序号</a:t>
                       </a:r>
-                      <a:endParaRPr lang="en-US" sz="3600" kern="100" spc="20">
+                      <a:endParaRPr lang="en-US" sz="4000" kern="100" spc="20">
                         <a:effectLst/>
                         <a:latin typeface="Times New Roman" panose="02020603050405020304" pitchFamily="18" charset="0"/>
                         <a:ea typeface="方正书宋简体"/>
@@ -12719,12 +12917,12 @@
                         </a:spcAft>
                       </a:pPr>
                       <a:r>
-                        <a:rPr lang="zh-CN" sz="3600" kern="100" spc="20">
+                        <a:rPr lang="zh-CN" sz="4000" kern="100" spc="20">
                           <a:effectLst/>
                         </a:rPr>
                         <a:t>搜索字符串</a:t>
                       </a:r>
-                      <a:endParaRPr lang="en-US" sz="3600" kern="100" spc="20">
+                      <a:endParaRPr lang="en-US" sz="4000" kern="100" spc="20">
                         <a:effectLst/>
                         <a:latin typeface="Times New Roman" panose="02020603050405020304" pitchFamily="18" charset="0"/>
                         <a:ea typeface="方正书宋简体"/>
@@ -12750,12 +12948,12 @@
                         </a:spcAft>
                       </a:pPr>
                       <a:r>
-                        <a:rPr lang="zh-CN" sz="3600" kern="100" spc="20">
+                        <a:rPr lang="zh-CN" sz="4000" kern="100" spc="20">
                           <a:effectLst/>
                         </a:rPr>
                         <a:t>部件</a:t>
                       </a:r>
-                      <a:endParaRPr lang="en-US" sz="3600" kern="100" spc="20">
+                      <a:endParaRPr lang="en-US" sz="4000" kern="100" spc="20">
                         <a:effectLst/>
                         <a:latin typeface="Times New Roman" panose="02020603050405020304" pitchFamily="18" charset="0"/>
                         <a:ea typeface="方正书宋简体"/>
@@ -12781,12 +12979,12 @@
                         </a:spcAft>
                       </a:pPr>
                       <a:r>
-                        <a:rPr lang="zh-CN" sz="3600" kern="100" spc="20">
+                        <a:rPr lang="zh-CN" sz="4000" kern="100" spc="20">
                           <a:effectLst/>
                         </a:rPr>
                         <a:t>结构</a:t>
                       </a:r>
-                      <a:endParaRPr lang="en-US" sz="3600" kern="100" spc="20">
+                      <a:endParaRPr lang="en-US" sz="4000" kern="100" spc="20">
                         <a:effectLst/>
                         <a:latin typeface="Times New Roman" panose="02020603050405020304" pitchFamily="18" charset="0"/>
                         <a:ea typeface="方正书宋简体"/>
@@ -12819,12 +13017,12 @@
                         </a:spcAft>
                       </a:pPr>
                       <a:r>
-                        <a:rPr lang="en-US" sz="3600" kern="100" spc="20">
+                        <a:rPr lang="en-US" sz="4000" kern="100" spc="20">
                           <a:effectLst/>
                         </a:rPr>
                         <a:t>1</a:t>
                       </a:r>
-                      <a:endParaRPr lang="en-US" sz="3600" kern="100" spc="20">
+                      <a:endParaRPr lang="en-US" sz="4000" kern="100" spc="20">
                         <a:effectLst/>
                         <a:latin typeface="Times New Roman" panose="02020603050405020304" pitchFamily="18" charset="0"/>
                         <a:ea typeface="方正书宋简体"/>
@@ -12850,12 +13048,12 @@
                         </a:spcAft>
                       </a:pPr>
                       <a:r>
-                        <a:rPr lang="zh-CN" sz="3600" kern="100" spc="20">
+                        <a:rPr lang="zh-CN" sz="4000" kern="100" spc="20">
                           <a:effectLst/>
                         </a:rPr>
                         <a:t>日下面加个立</a:t>
                       </a:r>
-                      <a:endParaRPr lang="en-US" sz="3600" kern="100" spc="20">
+                      <a:endParaRPr lang="en-US" sz="4000" kern="100" spc="20">
                         <a:effectLst/>
                         <a:latin typeface="Times New Roman" panose="02020603050405020304" pitchFamily="18" charset="0"/>
                         <a:ea typeface="方正书宋简体"/>
@@ -12881,12 +13079,12 @@
                         </a:spcAft>
                       </a:pPr>
                       <a:r>
-                        <a:rPr lang="zh-CN" sz="3600" kern="100" spc="20">
+                        <a:rPr lang="zh-CN" sz="4000" kern="100" spc="20">
                           <a:effectLst/>
                         </a:rPr>
                         <a:t>日立</a:t>
                       </a:r>
-                      <a:endParaRPr lang="en-US" sz="3600" kern="100" spc="20">
+                      <a:endParaRPr lang="en-US" sz="4000" kern="100" spc="20">
                         <a:effectLst/>
                         <a:latin typeface="Times New Roman" panose="02020603050405020304" pitchFamily="18" charset="0"/>
                         <a:ea typeface="方正书宋简体"/>
@@ -12912,12 +13110,12 @@
                         </a:spcAft>
                       </a:pPr>
                       <a:r>
-                        <a:rPr lang="zh-CN" sz="3600" kern="100" spc="20">
+                        <a:rPr lang="zh-CN" sz="4000" kern="100" spc="20">
                           <a:effectLst/>
                         </a:rPr>
                         <a:t>上下结构</a:t>
                       </a:r>
-                      <a:endParaRPr lang="en-US" sz="3600" kern="100" spc="20">
+                      <a:endParaRPr lang="en-US" sz="4000" kern="100" spc="20">
                         <a:effectLst/>
                         <a:latin typeface="Times New Roman" panose="02020603050405020304" pitchFamily="18" charset="0"/>
                         <a:ea typeface="方正书宋简体"/>
@@ -12950,12 +13148,12 @@
                         </a:spcAft>
                       </a:pPr>
                       <a:r>
-                        <a:rPr lang="en-US" sz="3600" kern="100" spc="20">
+                        <a:rPr lang="en-US" sz="4000" kern="100" spc="20">
                           <a:effectLst/>
                         </a:rPr>
                         <a:t>2</a:t>
                       </a:r>
-                      <a:endParaRPr lang="en-US" sz="3600" kern="100" spc="20">
+                      <a:endParaRPr lang="en-US" sz="4000" kern="100" spc="20">
                         <a:effectLst/>
                         <a:latin typeface="Times New Roman" panose="02020603050405020304" pitchFamily="18" charset="0"/>
                         <a:ea typeface="方正书宋简体"/>
@@ -12981,12 +13179,12 @@
                         </a:spcAft>
                       </a:pPr>
                       <a:r>
-                        <a:rPr lang="zh-CN" sz="3600" kern="100" spc="20">
+                        <a:rPr lang="zh-CN" sz="4000" kern="100" spc="20">
                           <a:effectLst/>
                         </a:rPr>
                         <a:t>上边日下边立</a:t>
                       </a:r>
-                      <a:endParaRPr lang="en-US" sz="3600" kern="100" spc="20">
+                      <a:endParaRPr lang="en-US" sz="4000" kern="100" spc="20">
                         <a:effectLst/>
                         <a:latin typeface="Times New Roman" panose="02020603050405020304" pitchFamily="18" charset="0"/>
                         <a:ea typeface="方正书宋简体"/>
@@ -13012,12 +13210,12 @@
                         </a:spcAft>
                       </a:pPr>
                       <a:r>
-                        <a:rPr lang="zh-CN" sz="3600" kern="100" spc="20" dirty="0">
+                        <a:rPr lang="zh-CN" sz="4000" kern="100" spc="20" dirty="0">
                           <a:effectLst/>
                         </a:rPr>
                         <a:t>日立</a:t>
                       </a:r>
-                      <a:endParaRPr lang="en-US" sz="3600" kern="100" spc="20" dirty="0">
+                      <a:endParaRPr lang="en-US" sz="4000" kern="100" spc="20" dirty="0">
                         <a:effectLst/>
                         <a:latin typeface="Times New Roman" panose="02020603050405020304" pitchFamily="18" charset="0"/>
                         <a:ea typeface="方正书宋简体"/>
@@ -13043,12 +13241,12 @@
                         </a:spcAft>
                       </a:pPr>
                       <a:r>
-                        <a:rPr lang="zh-CN" sz="3600" kern="100" spc="20">
+                        <a:rPr lang="zh-CN" sz="4000" kern="100" spc="20">
                           <a:effectLst/>
                         </a:rPr>
                         <a:t>上下结构</a:t>
                       </a:r>
-                      <a:endParaRPr lang="en-US" sz="3600" kern="100" spc="20">
+                      <a:endParaRPr lang="en-US" sz="4000" kern="100" spc="20">
                         <a:effectLst/>
                         <a:latin typeface="Times New Roman" panose="02020603050405020304" pitchFamily="18" charset="0"/>
                         <a:ea typeface="方正书宋简体"/>
@@ -13081,12 +13279,12 @@
                         </a:spcAft>
                       </a:pPr>
                       <a:r>
-                        <a:rPr lang="en-US" sz="3600" kern="100" spc="20">
+                        <a:rPr lang="en-US" sz="4000" kern="100" spc="20">
                           <a:effectLst/>
                         </a:rPr>
                         <a:t>3</a:t>
                       </a:r>
-                      <a:endParaRPr lang="en-US" sz="3600" kern="100" spc="20">
+                      <a:endParaRPr lang="en-US" sz="4000" kern="100" spc="20">
                         <a:effectLst/>
                         <a:latin typeface="Times New Roman" panose="02020603050405020304" pitchFamily="18" charset="0"/>
                         <a:ea typeface="方正书宋简体"/>
@@ -13112,12 +13310,12 @@
                         </a:spcAft>
                       </a:pPr>
                       <a:r>
-                        <a:rPr lang="zh-CN" sz="3600" kern="100" spc="20">
+                        <a:rPr lang="zh-CN" sz="4000" kern="100" spc="20">
                           <a:effectLst/>
                         </a:rPr>
                         <a:t>日下面立</a:t>
                       </a:r>
-                      <a:endParaRPr lang="en-US" sz="3600" kern="100" spc="20">
+                      <a:endParaRPr lang="en-US" sz="4000" kern="100" spc="20">
                         <a:effectLst/>
                         <a:latin typeface="Times New Roman" panose="02020603050405020304" pitchFamily="18" charset="0"/>
                         <a:ea typeface="方正书宋简体"/>
@@ -13143,12 +13341,12 @@
                         </a:spcAft>
                       </a:pPr>
                       <a:r>
-                        <a:rPr lang="zh-CN" sz="3600" kern="100" spc="20">
+                        <a:rPr lang="zh-CN" sz="4000" kern="100" spc="20">
                           <a:effectLst/>
                         </a:rPr>
                         <a:t>日立</a:t>
                       </a:r>
-                      <a:endParaRPr lang="en-US" sz="3600" kern="100" spc="20">
+                      <a:endParaRPr lang="en-US" sz="4000" kern="100" spc="20">
                         <a:effectLst/>
                         <a:latin typeface="Times New Roman" panose="02020603050405020304" pitchFamily="18" charset="0"/>
                         <a:ea typeface="方正书宋简体"/>
@@ -13174,12 +13372,12 @@
                         </a:spcAft>
                       </a:pPr>
                       <a:r>
-                        <a:rPr lang="zh-CN" sz="3600" kern="100" spc="20">
+                        <a:rPr lang="zh-CN" sz="4000" kern="100" spc="20">
                           <a:effectLst/>
                         </a:rPr>
                         <a:t>上下结构</a:t>
                       </a:r>
-                      <a:endParaRPr lang="en-US" sz="3600" kern="100" spc="20">
+                      <a:endParaRPr lang="en-US" sz="4000" kern="100" spc="20">
                         <a:effectLst/>
                         <a:latin typeface="Times New Roman" panose="02020603050405020304" pitchFamily="18" charset="0"/>
                         <a:ea typeface="方正书宋简体"/>
@@ -13212,12 +13410,12 @@
                         </a:spcAft>
                       </a:pPr>
                       <a:r>
-                        <a:rPr lang="en-US" sz="3600" kern="100" spc="20">
+                        <a:rPr lang="en-US" sz="4000" kern="100" spc="20">
                           <a:effectLst/>
                         </a:rPr>
                         <a:t>4</a:t>
                       </a:r>
-                      <a:endParaRPr lang="en-US" sz="3600" kern="100" spc="20">
+                      <a:endParaRPr lang="en-US" sz="4000" kern="100" spc="20">
                         <a:effectLst/>
                         <a:latin typeface="Times New Roman" panose="02020603050405020304" pitchFamily="18" charset="0"/>
                         <a:ea typeface="方正书宋简体"/>
@@ -13243,12 +13441,12 @@
                         </a:spcAft>
                       </a:pPr>
                       <a:r>
-                        <a:rPr lang="zh-CN" sz="3600" kern="100" spc="20">
+                        <a:rPr lang="zh-CN" sz="4000" kern="100" spc="20">
                           <a:effectLst/>
                         </a:rPr>
                         <a:t>日字下面立</a:t>
                       </a:r>
-                      <a:endParaRPr lang="en-US" sz="3600" kern="100" spc="20">
+                      <a:endParaRPr lang="en-US" sz="4000" kern="100" spc="20">
                         <a:effectLst/>
                         <a:latin typeface="Times New Roman" panose="02020603050405020304" pitchFamily="18" charset="0"/>
                         <a:ea typeface="方正书宋简体"/>
@@ -13274,12 +13472,12 @@
                         </a:spcAft>
                       </a:pPr>
                       <a:r>
-                        <a:rPr lang="zh-CN" sz="3600" kern="100" spc="20">
+                        <a:rPr lang="zh-CN" sz="4000" kern="100" spc="20">
                           <a:effectLst/>
                         </a:rPr>
                         <a:t>日立</a:t>
                       </a:r>
-                      <a:endParaRPr lang="en-US" sz="3600" kern="100" spc="20">
+                      <a:endParaRPr lang="en-US" sz="4000" kern="100" spc="20">
                         <a:effectLst/>
                         <a:latin typeface="Times New Roman" panose="02020603050405020304" pitchFamily="18" charset="0"/>
                         <a:ea typeface="方正书宋简体"/>
@@ -13305,12 +13503,12 @@
                         </a:spcAft>
                       </a:pPr>
                       <a:r>
-                        <a:rPr lang="zh-CN" sz="3600" kern="100" spc="20">
+                        <a:rPr lang="zh-CN" sz="4000" kern="100" spc="20">
                           <a:effectLst/>
                         </a:rPr>
                         <a:t>上下结构</a:t>
                       </a:r>
-                      <a:endParaRPr lang="en-US" sz="3600" kern="100" spc="20">
+                      <a:endParaRPr lang="en-US" sz="4000" kern="100" spc="20">
                         <a:effectLst/>
                         <a:latin typeface="Times New Roman" panose="02020603050405020304" pitchFamily="18" charset="0"/>
                         <a:ea typeface="方正书宋简体"/>
@@ -13343,12 +13541,12 @@
                         </a:spcAft>
                       </a:pPr>
                       <a:r>
-                        <a:rPr lang="en-US" sz="3600" kern="100" spc="20">
+                        <a:rPr lang="en-US" sz="4000" kern="100" spc="20">
                           <a:effectLst/>
                         </a:rPr>
                         <a:t>…</a:t>
                       </a:r>
-                      <a:endParaRPr lang="en-US" sz="3600" kern="100" spc="20">
+                      <a:endParaRPr lang="en-US" sz="4000" kern="100" spc="20">
                         <a:effectLst/>
                         <a:latin typeface="Times New Roman" panose="02020603050405020304" pitchFamily="18" charset="0"/>
                         <a:ea typeface="方正书宋简体"/>
@@ -13374,12 +13572,12 @@
                         </a:spcAft>
                       </a:pPr>
                       <a:r>
-                        <a:rPr lang="en-US" sz="3600" kern="100" spc="20">
+                        <a:rPr lang="en-US" sz="4000" kern="100" spc="20">
                           <a:effectLst/>
                         </a:rPr>
                         <a:t>…</a:t>
                       </a:r>
-                      <a:endParaRPr lang="en-US" sz="3600" kern="100" spc="20">
+                      <a:endParaRPr lang="en-US" sz="4000" kern="100" spc="20">
                         <a:effectLst/>
                         <a:latin typeface="Times New Roman" panose="02020603050405020304" pitchFamily="18" charset="0"/>
                         <a:ea typeface="方正书宋简体"/>
@@ -13405,12 +13603,12 @@
                         </a:spcAft>
                       </a:pPr>
                       <a:r>
-                        <a:rPr lang="en-US" sz="3600" kern="100" spc="20">
+                        <a:rPr lang="en-US" sz="4000" kern="100" spc="20">
                           <a:effectLst/>
                         </a:rPr>
                         <a:t>…</a:t>
                       </a:r>
-                      <a:endParaRPr lang="en-US" sz="3600" kern="100" spc="20">
+                      <a:endParaRPr lang="en-US" sz="4000" kern="100" spc="20">
                         <a:effectLst/>
                         <a:latin typeface="Times New Roman" panose="02020603050405020304" pitchFamily="18" charset="0"/>
                         <a:ea typeface="方正书宋简体"/>
@@ -13436,12 +13634,12 @@
                         </a:spcAft>
                       </a:pPr>
                       <a:r>
-                        <a:rPr lang="en-US" sz="3600" kern="100" spc="20">
+                        <a:rPr lang="en-US" sz="4000" kern="100" spc="20">
                           <a:effectLst/>
                         </a:rPr>
                         <a:t>…</a:t>
                       </a:r>
-                      <a:endParaRPr lang="en-US" sz="3600" kern="100" spc="20">
+                      <a:endParaRPr lang="en-US" sz="4000" kern="100" spc="20">
                         <a:effectLst/>
                         <a:latin typeface="Times New Roman" panose="02020603050405020304" pitchFamily="18" charset="0"/>
                         <a:ea typeface="方正书宋简体"/>
@@ -13474,12 +13672,12 @@
                         </a:spcAft>
                       </a:pPr>
                       <a:r>
-                        <a:rPr lang="en-US" sz="3600" kern="100" spc="20">
-                          <a:effectLst/>
-                        </a:rPr>
-                        <a:t>26</a:t>
-                      </a:r>
-                      <a:endParaRPr lang="en-US" sz="3600" kern="100" spc="20">
+                        <a:rPr lang="en-US" sz="4000" kern="100" spc="20">
+                          <a:effectLst/>
+                        </a:rPr>
+                        <a:t>28</a:t>
+                      </a:r>
+                      <a:endParaRPr lang="en-US" sz="4000" kern="100" spc="20">
                         <a:effectLst/>
                         <a:latin typeface="Times New Roman" panose="02020603050405020304" pitchFamily="18" charset="0"/>
                         <a:ea typeface="方正书宋简体"/>
@@ -13505,12 +13703,12 @@
                         </a:spcAft>
                       </a:pPr>
                       <a:r>
-                        <a:rPr lang="zh-CN" sz="3600" kern="100" spc="20">
-                          <a:effectLst/>
-                        </a:rPr>
-                        <a:t>一个日字一个立</a:t>
-                      </a:r>
-                      <a:endParaRPr lang="en-US" sz="3600" kern="100" spc="20">
+                        <a:rPr lang="zh-CN" sz="4000" kern="100" spc="20">
+                          <a:effectLst/>
+                        </a:rPr>
+                        <a:t>一日一立</a:t>
+                      </a:r>
+                      <a:endParaRPr lang="en-US" sz="4000" kern="100" spc="20">
                         <a:effectLst/>
                         <a:latin typeface="Times New Roman" panose="02020603050405020304" pitchFamily="18" charset="0"/>
                         <a:ea typeface="方正书宋简体"/>
@@ -13536,12 +13734,12 @@
                         </a:spcAft>
                       </a:pPr>
                       <a:r>
-                        <a:rPr lang="zh-CN" sz="3600" kern="100" spc="20">
+                        <a:rPr lang="zh-CN" sz="4000" kern="100" spc="20">
                           <a:effectLst/>
                         </a:rPr>
                         <a:t>日立</a:t>
                       </a:r>
-                      <a:endParaRPr lang="en-US" sz="3600" kern="100" spc="20">
+                      <a:endParaRPr lang="en-US" sz="4000" kern="100" spc="20">
                         <a:effectLst/>
                         <a:latin typeface="Times New Roman" panose="02020603050405020304" pitchFamily="18" charset="0"/>
                         <a:ea typeface="方正书宋简体"/>
@@ -13567,274 +13765,12 @@
                         </a:spcAft>
                       </a:pPr>
                       <a:r>
-                        <a:rPr lang="en-US" sz="3600" kern="100" spc="20">
+                        <a:rPr lang="en-US" sz="4000" kern="100" spc="20" dirty="0">
                           <a:effectLst/>
                         </a:rPr>
                         <a:t> </a:t>
                       </a:r>
-                      <a:endParaRPr lang="en-US" sz="3600" kern="100" spc="20">
-                        <a:effectLst/>
-                        <a:latin typeface="Times New Roman" panose="02020603050405020304" pitchFamily="18" charset="0"/>
-                        <a:ea typeface="方正书宋简体"/>
-                      </a:endParaRPr>
-                    </a:p>
-                  </a:txBody>
-                  <a:tcPr marL="68580" marR="68580" marT="0" marB="0"/>
-                </a:tc>
-                <a:extLst>
-                  <a:ext uri="{0D108BD9-81ED-4DB2-BD59-A6C34878D82A}">
-                    <a16:rowId xmlns:a16="http://schemas.microsoft.com/office/drawing/2014/main" val="3950631441"/>
-                  </a:ext>
-                </a:extLst>
-              </a:tr>
-              <a:tr h="0">
-                <a:tc>
-                  <a:txBody>
-                    <a:bodyPr/>
-                    <a:lstStyle/>
-                    <a:p>
-                      <a:pPr marL="0" marR="0" indent="0" algn="just">
-                        <a:lnSpc>
-                          <a:spcPct val="105000"/>
-                        </a:lnSpc>
-                        <a:spcBef>
-                          <a:spcPts val="0"/>
-                        </a:spcBef>
-                        <a:spcAft>
-                          <a:spcPts val="0"/>
-                        </a:spcAft>
-                      </a:pPr>
-                      <a:r>
-                        <a:rPr lang="en-US" sz="3600" kern="100" spc="20">
-                          <a:effectLst/>
-                        </a:rPr>
-                        <a:t>27</a:t>
-                      </a:r>
-                      <a:endParaRPr lang="en-US" sz="3600" kern="100" spc="20">
-                        <a:effectLst/>
-                        <a:latin typeface="Times New Roman" panose="02020603050405020304" pitchFamily="18" charset="0"/>
-                        <a:ea typeface="方正书宋简体"/>
-                      </a:endParaRPr>
-                    </a:p>
-                  </a:txBody>
-                  <a:tcPr marL="68580" marR="68580" marT="0" marB="0"/>
-                </a:tc>
-                <a:tc>
-                  <a:txBody>
-                    <a:bodyPr/>
-                    <a:lstStyle/>
-                    <a:p>
-                      <a:pPr marL="0" marR="0" indent="0" algn="just">
-                        <a:lnSpc>
-                          <a:spcPct val="105000"/>
-                        </a:lnSpc>
-                        <a:spcBef>
-                          <a:spcPts val="0"/>
-                        </a:spcBef>
-                        <a:spcAft>
-                          <a:spcPts val="0"/>
-                        </a:spcAft>
-                      </a:pPr>
-                      <a:r>
-                        <a:rPr lang="zh-CN" sz="3600" kern="100" spc="20">
-                          <a:effectLst/>
-                        </a:rPr>
-                        <a:t>日下面加立</a:t>
-                      </a:r>
-                      <a:endParaRPr lang="en-US" sz="3600" kern="100" spc="20">
-                        <a:effectLst/>
-                        <a:latin typeface="Times New Roman" panose="02020603050405020304" pitchFamily="18" charset="0"/>
-                        <a:ea typeface="方正书宋简体"/>
-                      </a:endParaRPr>
-                    </a:p>
-                  </a:txBody>
-                  <a:tcPr marL="68580" marR="68580" marT="0" marB="0"/>
-                </a:tc>
-                <a:tc>
-                  <a:txBody>
-                    <a:bodyPr/>
-                    <a:lstStyle/>
-                    <a:p>
-                      <a:pPr marL="0" marR="0" indent="0" algn="just">
-                        <a:lnSpc>
-                          <a:spcPct val="105000"/>
-                        </a:lnSpc>
-                        <a:spcBef>
-                          <a:spcPts val="0"/>
-                        </a:spcBef>
-                        <a:spcAft>
-                          <a:spcPts val="0"/>
-                        </a:spcAft>
-                      </a:pPr>
-                      <a:r>
-                        <a:rPr lang="zh-CN" sz="3600" kern="100" spc="20">
-                          <a:effectLst/>
-                        </a:rPr>
-                        <a:t>日立</a:t>
-                      </a:r>
-                      <a:endParaRPr lang="en-US" sz="3600" kern="100" spc="20">
-                        <a:effectLst/>
-                        <a:latin typeface="Times New Roman" panose="02020603050405020304" pitchFamily="18" charset="0"/>
-                        <a:ea typeface="方正书宋简体"/>
-                      </a:endParaRPr>
-                    </a:p>
-                  </a:txBody>
-                  <a:tcPr marL="68580" marR="68580" marT="0" marB="0"/>
-                </a:tc>
-                <a:tc>
-                  <a:txBody>
-                    <a:bodyPr/>
-                    <a:lstStyle/>
-                    <a:p>
-                      <a:pPr marL="0" marR="0" indent="0" algn="just">
-                        <a:lnSpc>
-                          <a:spcPct val="105000"/>
-                        </a:lnSpc>
-                        <a:spcBef>
-                          <a:spcPts val="0"/>
-                        </a:spcBef>
-                        <a:spcAft>
-                          <a:spcPts val="0"/>
-                        </a:spcAft>
-                      </a:pPr>
-                      <a:r>
-                        <a:rPr lang="zh-CN" sz="3600" kern="100" spc="20">
-                          <a:effectLst/>
-                        </a:rPr>
-                        <a:t>上下结构</a:t>
-                      </a:r>
-                      <a:endParaRPr lang="en-US" sz="3600" kern="100" spc="20">
-                        <a:effectLst/>
-                        <a:latin typeface="Times New Roman" panose="02020603050405020304" pitchFamily="18" charset="0"/>
-                        <a:ea typeface="方正书宋简体"/>
-                      </a:endParaRPr>
-                    </a:p>
-                  </a:txBody>
-                  <a:tcPr marL="68580" marR="68580" marT="0" marB="0"/>
-                </a:tc>
-                <a:extLst>
-                  <a:ext uri="{0D108BD9-81ED-4DB2-BD59-A6C34878D82A}">
-                    <a16:rowId xmlns:a16="http://schemas.microsoft.com/office/drawing/2014/main" val="1017454953"/>
-                  </a:ext>
-                </a:extLst>
-              </a:tr>
-              <a:tr h="0">
-                <a:tc>
-                  <a:txBody>
-                    <a:bodyPr/>
-                    <a:lstStyle/>
-                    <a:p>
-                      <a:pPr marL="0" marR="0" indent="0" algn="just">
-                        <a:lnSpc>
-                          <a:spcPct val="105000"/>
-                        </a:lnSpc>
-                        <a:spcBef>
-                          <a:spcPts val="0"/>
-                        </a:spcBef>
-                        <a:spcAft>
-                          <a:spcPts val="0"/>
-                        </a:spcAft>
-                      </a:pPr>
-                      <a:r>
-                        <a:rPr lang="en-US" sz="3600" kern="100" spc="20">
-                          <a:effectLst/>
-                        </a:rPr>
-                        <a:t>28</a:t>
-                      </a:r>
-                      <a:endParaRPr lang="en-US" sz="3600" kern="100" spc="20">
-                        <a:effectLst/>
-                        <a:latin typeface="Times New Roman" panose="02020603050405020304" pitchFamily="18" charset="0"/>
-                        <a:ea typeface="方正书宋简体"/>
-                      </a:endParaRPr>
-                    </a:p>
-                  </a:txBody>
-                  <a:tcPr marL="68580" marR="68580" marT="0" marB="0"/>
-                </a:tc>
-                <a:tc>
-                  <a:txBody>
-                    <a:bodyPr/>
-                    <a:lstStyle/>
-                    <a:p>
-                      <a:pPr marL="0" marR="0" indent="0" algn="just">
-                        <a:lnSpc>
-                          <a:spcPct val="105000"/>
-                        </a:lnSpc>
-                        <a:spcBef>
-                          <a:spcPts val="0"/>
-                        </a:spcBef>
-                        <a:spcAft>
-                          <a:spcPts val="0"/>
-                        </a:spcAft>
-                      </a:pPr>
-                      <a:r>
-                        <a:rPr lang="zh-CN" sz="3600" kern="100" spc="20">
-                          <a:effectLst/>
-                        </a:rPr>
-                        <a:t>一日一立</a:t>
-                      </a:r>
-                      <a:endParaRPr lang="en-US" sz="3600" kern="100" spc="20">
-                        <a:effectLst/>
-                        <a:latin typeface="Times New Roman" panose="02020603050405020304" pitchFamily="18" charset="0"/>
-                        <a:ea typeface="方正书宋简体"/>
-                      </a:endParaRPr>
-                    </a:p>
-                  </a:txBody>
-                  <a:tcPr marL="68580" marR="68580" marT="0" marB="0"/>
-                </a:tc>
-                <a:tc>
-                  <a:txBody>
-                    <a:bodyPr/>
-                    <a:lstStyle/>
-                    <a:p>
-                      <a:pPr marL="0" marR="0" indent="0" algn="just">
-                        <a:lnSpc>
-                          <a:spcPct val="105000"/>
-                        </a:lnSpc>
-                        <a:spcBef>
-                          <a:spcPts val="0"/>
-                        </a:spcBef>
-                        <a:spcAft>
-                          <a:spcPts val="0"/>
-                        </a:spcAft>
-                      </a:pPr>
-                      <a:r>
-                        <a:rPr lang="zh-CN" sz="3600" kern="100" spc="20">
-                          <a:effectLst/>
-                        </a:rPr>
-                        <a:t>日立</a:t>
-                      </a:r>
-                      <a:endParaRPr lang="en-US" sz="3600" kern="100" spc="20">
-                        <a:effectLst/>
-                        <a:latin typeface="Times New Roman" panose="02020603050405020304" pitchFamily="18" charset="0"/>
-                        <a:ea typeface="方正书宋简体"/>
-                      </a:endParaRPr>
-                    </a:p>
-                  </a:txBody>
-                  <a:tcPr marL="68580" marR="68580" marT="0" marB="0"/>
-                </a:tc>
-                <a:tc>
-                  <a:txBody>
-                    <a:bodyPr/>
-                    <a:lstStyle/>
-                    <a:p>
-                      <a:pPr marL="0" marR="0" indent="0" algn="just">
-                        <a:lnSpc>
-                          <a:spcPct val="105000"/>
-                        </a:lnSpc>
-                        <a:spcBef>
-                          <a:spcPts val="0"/>
-                        </a:spcBef>
-                        <a:spcAft>
-                          <a:spcPts val="0"/>
-                        </a:spcAft>
-                      </a:pPr>
-                      <a:r>
-                        <a:rPr lang="en-US" sz="3600" kern="100" spc="20">
-                          <a:effectLst/>
-                        </a:rPr>
-                        <a:t> </a:t>
-                      </a:r>
-                      <a:endParaRPr lang="en-US" sz="3600" kern="100" spc="20">
+                      <a:endParaRPr lang="en-US" sz="4000" kern="100" spc="20" dirty="0">
                         <a:effectLst/>
                         <a:latin typeface="Times New Roman" panose="02020603050405020304" pitchFamily="18" charset="0"/>
                         <a:ea typeface="方正书宋简体"/>
@@ -13867,12 +13803,12 @@
                         </a:spcAft>
                       </a:pPr>
                       <a:r>
-                        <a:rPr lang="en-US" sz="3600" kern="100" spc="20">
+                        <a:rPr lang="en-US" sz="4000" kern="100" spc="20">
                           <a:effectLst/>
                         </a:rPr>
                         <a:t>29</a:t>
                       </a:r>
-                      <a:endParaRPr lang="en-US" sz="3600" kern="100" spc="20">
+                      <a:endParaRPr lang="en-US" sz="4000" kern="100" spc="20">
                         <a:effectLst/>
                         <a:latin typeface="Times New Roman" panose="02020603050405020304" pitchFamily="18" charset="0"/>
                         <a:ea typeface="方正书宋简体"/>
@@ -13898,12 +13834,12 @@
                         </a:spcAft>
                       </a:pPr>
                       <a:r>
-                        <a:rPr lang="zh-CN" sz="3600" kern="100" spc="20">
+                        <a:rPr lang="zh-CN" sz="4000" kern="100" spc="20">
                           <a:effectLst/>
                         </a:rPr>
                         <a:t>上面一个日字下面一个立</a:t>
                       </a:r>
-                      <a:endParaRPr lang="en-US" sz="3600" kern="100" spc="20">
+                      <a:endParaRPr lang="en-US" sz="4000" kern="100" spc="20">
                         <a:effectLst/>
                         <a:latin typeface="Times New Roman" panose="02020603050405020304" pitchFamily="18" charset="0"/>
                         <a:ea typeface="方正书宋简体"/>
@@ -13929,12 +13865,12 @@
                         </a:spcAft>
                       </a:pPr>
                       <a:r>
-                        <a:rPr lang="zh-CN" sz="3600" kern="100" spc="20">
+                        <a:rPr lang="zh-CN" sz="4000" kern="100" spc="20">
                           <a:effectLst/>
                         </a:rPr>
                         <a:t>日立</a:t>
                       </a:r>
-                      <a:endParaRPr lang="en-US" sz="3600" kern="100" spc="20">
+                      <a:endParaRPr lang="en-US" sz="4000" kern="100" spc="20">
                         <a:effectLst/>
                         <a:latin typeface="Times New Roman" panose="02020603050405020304" pitchFamily="18" charset="0"/>
                         <a:ea typeface="方正书宋简体"/>
@@ -13960,12 +13896,12 @@
                         </a:spcAft>
                       </a:pPr>
                       <a:r>
-                        <a:rPr lang="zh-CN" sz="3600" kern="100" spc="20" dirty="0">
+                        <a:rPr lang="zh-CN" sz="4000" kern="100" spc="20" dirty="0">
                           <a:effectLst/>
                         </a:rPr>
                         <a:t>上下结构</a:t>
                       </a:r>
-                      <a:endParaRPr lang="en-US" sz="3600" kern="100" spc="20" dirty="0">
+                      <a:endParaRPr lang="en-US" sz="4000" kern="100" spc="20" dirty="0">
                         <a:effectLst/>
                         <a:latin typeface="Times New Roman" panose="02020603050405020304" pitchFamily="18" charset="0"/>
                         <a:ea typeface="方正书宋简体"/>
@@ -13999,7 +13935,7 @@
           <p:nvPr>
             <p:extLst>
               <p:ext uri="{D42A27DB-BD31-4B8C-83A1-F6EECF244321}">
-                <p14:modId xmlns:p14="http://schemas.microsoft.com/office/powerpoint/2010/main" val="2191616312"/>
+                <p14:modId xmlns:p14="http://schemas.microsoft.com/office/powerpoint/2010/main" val="141003745"/>
               </p:ext>
             </p:extLst>
           </p:nvPr>
@@ -17407,7 +17343,7 @@
         </p:nvSpPr>
         <p:spPr>
           <a:xfrm>
-            <a:off x="1230421" y="35274041"/>
+            <a:off x="1230421" y="35440420"/>
             <a:ext cx="14348406" cy="559899"/>
           </a:xfrm>
           <a:prstGeom prst="rect">
@@ -17599,18 +17535,92 @@
             </a:pPr>
             <a:r>
               <a:rPr lang="zh-CN" altLang="en-US" sz="3633" b="1" dirty="0">
+                <a:solidFill>
+                  <a:schemeClr val="tx1"/>
+                </a:solidFill>
                 <a:latin typeface="Arial" panose="020B0604020202020204" pitchFamily="34" charset="0"/>
                 <a:cs typeface="Arial" panose="020B0604020202020204" pitchFamily="34" charset="0"/>
               </a:rPr>
-              <a:t>生僻字提取结果</a:t>
+              <a:t>生僻字组成部件提取结果</a:t>
             </a:r>
             <a:endParaRPr lang="en" altLang="zh-CN" sz="3633" b="1" dirty="0">
+              <a:solidFill>
+                <a:schemeClr val="tx1"/>
+              </a:solidFill>
               <a:latin typeface="Arial" panose="020B0604020202020204" pitchFamily="34" charset="0"/>
               <a:cs typeface="Arial" panose="020B0604020202020204" pitchFamily="34" charset="0"/>
             </a:endParaRPr>
           </a:p>
         </p:txBody>
       </p:sp>
+      <p:pic>
+        <p:nvPicPr>
+          <p:cNvPr id="3" name="图片 15">
+            <a:extLst>
+              <a:ext uri="{FF2B5EF4-FFF2-40B4-BE49-F238E27FC236}">
+                <a16:creationId xmlns:a16="http://schemas.microsoft.com/office/drawing/2014/main" id="{E4D85D38-CA1F-3F87-AA7B-1C9C146584F2}"/>
+              </a:ext>
+            </a:extLst>
+          </p:cNvPr>
+          <p:cNvPicPr>
+            <a:picLocks noChangeAspect="1"/>
+          </p:cNvPicPr>
+          <p:nvPr/>
+        </p:nvPicPr>
+        <p:blipFill>
+          <a:blip r:embed="rId6"/>
+          <a:stretch>
+            <a:fillRect/>
+          </a:stretch>
+        </p:blipFill>
+        <p:spPr>
+          <a:xfrm>
+            <a:off x="576111" y="41703062"/>
+            <a:ext cx="8364855" cy="1332230"/>
+          </a:xfrm>
+          <a:prstGeom prst="rect">
+            <a:avLst/>
+          </a:prstGeom>
+          <a:noFill/>
+          <a:ln w="9525">
+            <a:noFill/>
+          </a:ln>
+        </p:spPr>
+      </p:pic>
+      <p:pic>
+        <p:nvPicPr>
+          <p:cNvPr id="7" name="图片 30">
+            <a:extLst>
+              <a:ext uri="{FF2B5EF4-FFF2-40B4-BE49-F238E27FC236}">
+                <a16:creationId xmlns:a16="http://schemas.microsoft.com/office/drawing/2014/main" id="{D3FDA5B4-72E0-88FC-BB07-41DCDAB23558}"/>
+              </a:ext>
+            </a:extLst>
+          </p:cNvPr>
+          <p:cNvPicPr>
+            <a:picLocks noChangeAspect="1"/>
+          </p:cNvPicPr>
+          <p:nvPr/>
+        </p:nvPicPr>
+        <p:blipFill>
+          <a:blip r:embed="rId7"/>
+          <a:stretch>
+            <a:fillRect/>
+          </a:stretch>
+        </p:blipFill>
+        <p:spPr>
+          <a:xfrm>
+            <a:off x="27719644" y="795331"/>
+            <a:ext cx="2716212" cy="3238500"/>
+          </a:xfrm>
+          <a:prstGeom prst="rect">
+            <a:avLst/>
+          </a:prstGeom>
+          <a:noFill/>
+          <a:ln w="9525">
+            <a:noFill/>
+          </a:ln>
+        </p:spPr>
+      </p:pic>
     </p:spTree>
   </p:cSld>
   <p:clrMapOvr>
